--- a/v2019/files/cfp/vam4hri-cfp.pptx
+++ b/v2019/files/cfp/vam4hri-cfp.pptx
@@ -2,10 +2,10 @@
 <file path=ppt/presentation.xml><?xml version="1.0" encoding="utf-8"?>
 <p:presentation xmlns:a="http://schemas.openxmlformats.org/drawingml/2006/main" xmlns:r="http://schemas.openxmlformats.org/officeDocument/2006/relationships" xmlns:p="http://schemas.openxmlformats.org/presentationml/2006/main" saveSubsetFonts="1">
   <p:sldMasterIdLst>
-    <p:sldMasterId id="2147483672" r:id="rId1"/>
+    <p:sldMasterId id="2147483701" r:id="rId1"/>
   </p:sldMasterIdLst>
   <p:sldIdLst>
-    <p:sldId id="256" r:id="rId2"/>
+    <p:sldId id="257" r:id="rId2"/>
   </p:sldIdLst>
   <p:sldSz cx="6858000" cy="9144000" type="letter"/>
   <p:notesSz cx="6858000" cy="9144000"/>
@@ -131,7 +131,13 @@
       </p:grpSpPr>
       <p:sp>
         <p:nvSpPr>
-          <p:cNvPr id="2" name="Title 1"/>
+          <p:cNvPr id="2" name="Title 1">
+            <a:extLst>
+              <a:ext uri="{FF2B5EF4-FFF2-40B4-BE49-F238E27FC236}">
+                <a16:creationId xmlns:a16="http://schemas.microsoft.com/office/drawing/2014/main" id="{D5FD2DA4-6432-4B29-A20D-29A52C9CE900}"/>
+              </a:ext>
+            </a:extLst>
+          </p:cNvPr>
           <p:cNvSpPr>
             <a:spLocks noGrp="1"/>
           </p:cNvSpPr>
@@ -141,15 +147,15 @@
         </p:nvSpPr>
         <p:spPr>
           <a:xfrm>
-            <a:off x="514350" y="1496484"/>
-            <a:ext cx="5829300" cy="3183467"/>
+            <a:off x="857250" y="1496484"/>
+            <a:ext cx="5143500" cy="3183467"/>
           </a:xfrm>
         </p:spPr>
         <p:txBody>
           <a:bodyPr anchor="b"/>
           <a:lstStyle>
             <a:lvl1pPr algn="ctr">
-              <a:defRPr sz="4500"/>
+              <a:defRPr sz="3375"/>
             </a:lvl1pPr>
           </a:lstStyle>
           <a:p>
@@ -157,13 +163,18 @@
               <a:rPr lang="en-US"/>
               <a:t>Click to edit Master title style</a:t>
             </a:r>
-            <a:endParaRPr lang="en-US" dirty="0"/>
-          </a:p>
-        </p:txBody>
-      </p:sp>
-      <p:sp>
-        <p:nvSpPr>
-          <p:cNvPr id="3" name="Subtitle 2"/>
+          </a:p>
+        </p:txBody>
+      </p:sp>
+      <p:sp>
+        <p:nvSpPr>
+          <p:cNvPr id="3" name="Subtitle 2">
+            <a:extLst>
+              <a:ext uri="{FF2B5EF4-FFF2-40B4-BE49-F238E27FC236}">
+                <a16:creationId xmlns:a16="http://schemas.microsoft.com/office/drawing/2014/main" id="{51D5FFD5-406A-4A0B-B03B-C2679977F481}"/>
+              </a:ext>
+            </a:extLst>
+          </p:cNvPr>
           <p:cNvSpPr>
             <a:spLocks noGrp="1"/>
           </p:cNvSpPr>
@@ -182,39 +193,39 @@
           <a:lstStyle>
             <a:lvl1pPr marL="0" indent="0" algn="ctr">
               <a:buNone/>
-              <a:defRPr sz="1800"/>
+              <a:defRPr sz="1350"/>
             </a:lvl1pPr>
-            <a:lvl2pPr marL="342900" indent="0" algn="ctr">
-              <a:buNone/>
-              <a:defRPr sz="1500"/>
+            <a:lvl2pPr marL="257175" indent="0" algn="ctr">
+              <a:buNone/>
+              <a:defRPr sz="1125"/>
             </a:lvl2pPr>
-            <a:lvl3pPr marL="685800" indent="0" algn="ctr">
-              <a:buNone/>
-              <a:defRPr sz="1350"/>
+            <a:lvl3pPr marL="514350" indent="0" algn="ctr">
+              <a:buNone/>
+              <a:defRPr sz="1013"/>
             </a:lvl3pPr>
-            <a:lvl4pPr marL="1028700" indent="0" algn="ctr">
-              <a:buNone/>
-              <a:defRPr sz="1200"/>
+            <a:lvl4pPr marL="771525" indent="0" algn="ctr">
+              <a:buNone/>
+              <a:defRPr sz="900"/>
             </a:lvl4pPr>
-            <a:lvl5pPr marL="1371600" indent="0" algn="ctr">
-              <a:buNone/>
-              <a:defRPr sz="1200"/>
+            <a:lvl5pPr marL="1028700" indent="0" algn="ctr">
+              <a:buNone/>
+              <a:defRPr sz="900"/>
             </a:lvl5pPr>
-            <a:lvl6pPr marL="1714500" indent="0" algn="ctr">
-              <a:buNone/>
-              <a:defRPr sz="1200"/>
+            <a:lvl6pPr marL="1285875" indent="0" algn="ctr">
+              <a:buNone/>
+              <a:defRPr sz="900"/>
             </a:lvl6pPr>
-            <a:lvl7pPr marL="2057400" indent="0" algn="ctr">
-              <a:buNone/>
-              <a:defRPr sz="1200"/>
+            <a:lvl7pPr marL="1543050" indent="0" algn="ctr">
+              <a:buNone/>
+              <a:defRPr sz="900"/>
             </a:lvl7pPr>
-            <a:lvl8pPr marL="2400300" indent="0" algn="ctr">
-              <a:buNone/>
-              <a:defRPr sz="1200"/>
+            <a:lvl8pPr marL="1800225" indent="0" algn="ctr">
+              <a:buNone/>
+              <a:defRPr sz="900"/>
             </a:lvl8pPr>
-            <a:lvl9pPr marL="2743200" indent="0" algn="ctr">
-              <a:buNone/>
-              <a:defRPr sz="1200"/>
+            <a:lvl9pPr marL="2057400" indent="0" algn="ctr">
+              <a:buNone/>
+              <a:defRPr sz="900"/>
             </a:lvl9pPr>
           </a:lstStyle>
           <a:p>
@@ -222,13 +233,18 @@
               <a:rPr lang="en-US"/>
               <a:t>Click to edit Master subtitle style</a:t>
             </a:r>
-            <a:endParaRPr lang="en-US" dirty="0"/>
-          </a:p>
-        </p:txBody>
-      </p:sp>
-      <p:sp>
-        <p:nvSpPr>
-          <p:cNvPr id="4" name="Date Placeholder 3"/>
+          </a:p>
+        </p:txBody>
+      </p:sp>
+      <p:sp>
+        <p:nvSpPr>
+          <p:cNvPr id="4" name="Date Placeholder 3">
+            <a:extLst>
+              <a:ext uri="{FF2B5EF4-FFF2-40B4-BE49-F238E27FC236}">
+                <a16:creationId xmlns:a16="http://schemas.microsoft.com/office/drawing/2014/main" id="{F7517DE4-B24D-401C-8689-AEEB7A3F614E}"/>
+              </a:ext>
+            </a:extLst>
+          </p:cNvPr>
           <p:cNvSpPr>
             <a:spLocks noGrp="1"/>
           </p:cNvSpPr>
@@ -243,7 +259,7 @@
           <a:p>
             <a:fld id="{97FCB51F-0F98-4CDE-A35C-0BB540E2F7A9}" type="datetimeFigureOut">
               <a:rPr lang="en-US" smtClean="0"/>
-              <a:t>11/25/2018</a:t>
+              <a:t>11/25/2019</a:t>
             </a:fld>
             <a:endParaRPr lang="en-US"/>
           </a:p>
@@ -251,7 +267,13 @@
       </p:sp>
       <p:sp>
         <p:nvSpPr>
-          <p:cNvPr id="5" name="Footer Placeholder 4"/>
+          <p:cNvPr id="5" name="Footer Placeholder 4">
+            <a:extLst>
+              <a:ext uri="{FF2B5EF4-FFF2-40B4-BE49-F238E27FC236}">
+                <a16:creationId xmlns:a16="http://schemas.microsoft.com/office/drawing/2014/main" id="{643C3453-471D-48B4-98E9-998C69E67FBC}"/>
+              </a:ext>
+            </a:extLst>
+          </p:cNvPr>
           <p:cNvSpPr>
             <a:spLocks noGrp="1"/>
           </p:cNvSpPr>
@@ -270,7 +292,13 @@
       </p:sp>
       <p:sp>
         <p:nvSpPr>
-          <p:cNvPr id="6" name="Slide Number Placeholder 5"/>
+          <p:cNvPr id="6" name="Slide Number Placeholder 5">
+            <a:extLst>
+              <a:ext uri="{FF2B5EF4-FFF2-40B4-BE49-F238E27FC236}">
+                <a16:creationId xmlns:a16="http://schemas.microsoft.com/office/drawing/2014/main" id="{CE028A1E-F31B-4A9B-B07F-0082E927DB7D}"/>
+              </a:ext>
+            </a:extLst>
+          </p:cNvPr>
           <p:cNvSpPr>
             <a:spLocks noGrp="1"/>
           </p:cNvSpPr>
@@ -294,7 +322,7 @@
     </p:spTree>
     <p:extLst>
       <p:ext uri="{BB962C8B-B14F-4D97-AF65-F5344CB8AC3E}">
-        <p14:creationId xmlns:p14="http://schemas.microsoft.com/office/powerpoint/2010/main" val="1086534969"/>
+        <p14:creationId xmlns:p14="http://schemas.microsoft.com/office/powerpoint/2010/main" val="1077860682"/>
       </p:ext>
     </p:extLst>
   </p:cSld>
@@ -323,7 +351,13 @@
       </p:grpSpPr>
       <p:sp>
         <p:nvSpPr>
-          <p:cNvPr id="2" name="Title 1"/>
+          <p:cNvPr id="2" name="Title 1">
+            <a:extLst>
+              <a:ext uri="{FF2B5EF4-FFF2-40B4-BE49-F238E27FC236}">
+                <a16:creationId xmlns:a16="http://schemas.microsoft.com/office/drawing/2014/main" id="{72879542-6F0B-4245-8BAA-8EDBCE3F1896}"/>
+              </a:ext>
+            </a:extLst>
+          </p:cNvPr>
           <p:cNvSpPr>
             <a:spLocks noGrp="1"/>
           </p:cNvSpPr>
@@ -340,13 +374,18 @@
               <a:rPr lang="en-US"/>
               <a:t>Click to edit Master title style</a:t>
             </a:r>
-            <a:endParaRPr lang="en-US" dirty="0"/>
-          </a:p>
-        </p:txBody>
-      </p:sp>
-      <p:sp>
-        <p:nvSpPr>
-          <p:cNvPr id="3" name="Vertical Text Placeholder 2"/>
+          </a:p>
+        </p:txBody>
+      </p:sp>
+      <p:sp>
+        <p:nvSpPr>
+          <p:cNvPr id="3" name="Vertical Text Placeholder 2">
+            <a:extLst>
+              <a:ext uri="{FF2B5EF4-FFF2-40B4-BE49-F238E27FC236}">
+                <a16:creationId xmlns:a16="http://schemas.microsoft.com/office/drawing/2014/main" id="{35D36436-B039-452C-B932-6490F2EB8A8D}"/>
+              </a:ext>
+            </a:extLst>
+          </p:cNvPr>
           <p:cNvSpPr>
             <a:spLocks noGrp="1"/>
           </p:cNvSpPr>
@@ -362,7 +401,7 @@
             <a:pPr lvl="0"/>
             <a:r>
               <a:rPr lang="en-US"/>
-              <a:t>Edit Master text styles</a:t>
+              <a:t>Click to edit Master text styles</a:t>
             </a:r>
           </a:p>
           <a:p>
@@ -392,13 +431,18 @@
               <a:rPr lang="en-US"/>
               <a:t>Fifth level</a:t>
             </a:r>
-            <a:endParaRPr lang="en-US" dirty="0"/>
-          </a:p>
-        </p:txBody>
-      </p:sp>
-      <p:sp>
-        <p:nvSpPr>
-          <p:cNvPr id="4" name="Date Placeholder 3"/>
+          </a:p>
+        </p:txBody>
+      </p:sp>
+      <p:sp>
+        <p:nvSpPr>
+          <p:cNvPr id="4" name="Date Placeholder 3">
+            <a:extLst>
+              <a:ext uri="{FF2B5EF4-FFF2-40B4-BE49-F238E27FC236}">
+                <a16:creationId xmlns:a16="http://schemas.microsoft.com/office/drawing/2014/main" id="{CD5663B2-14BA-4480-A462-EAB566E0CBF7}"/>
+              </a:ext>
+            </a:extLst>
+          </p:cNvPr>
           <p:cNvSpPr>
             <a:spLocks noGrp="1"/>
           </p:cNvSpPr>
@@ -413,7 +457,7 @@
           <a:p>
             <a:fld id="{97FCB51F-0F98-4CDE-A35C-0BB540E2F7A9}" type="datetimeFigureOut">
               <a:rPr lang="en-US" smtClean="0"/>
-              <a:t>11/25/2018</a:t>
+              <a:t>11/25/2019</a:t>
             </a:fld>
             <a:endParaRPr lang="en-US"/>
           </a:p>
@@ -421,7 +465,13 @@
       </p:sp>
       <p:sp>
         <p:nvSpPr>
-          <p:cNvPr id="5" name="Footer Placeholder 4"/>
+          <p:cNvPr id="5" name="Footer Placeholder 4">
+            <a:extLst>
+              <a:ext uri="{FF2B5EF4-FFF2-40B4-BE49-F238E27FC236}">
+                <a16:creationId xmlns:a16="http://schemas.microsoft.com/office/drawing/2014/main" id="{5A927C5B-D5F0-4827-AC07-70762D37CADE}"/>
+              </a:ext>
+            </a:extLst>
+          </p:cNvPr>
           <p:cNvSpPr>
             <a:spLocks noGrp="1"/>
           </p:cNvSpPr>
@@ -440,7 +490,13 @@
       </p:sp>
       <p:sp>
         <p:nvSpPr>
-          <p:cNvPr id="6" name="Slide Number Placeholder 5"/>
+          <p:cNvPr id="6" name="Slide Number Placeholder 5">
+            <a:extLst>
+              <a:ext uri="{FF2B5EF4-FFF2-40B4-BE49-F238E27FC236}">
+                <a16:creationId xmlns:a16="http://schemas.microsoft.com/office/drawing/2014/main" id="{D9BAFBBB-1B66-4559-A3CB-CC22AA583F4B}"/>
+              </a:ext>
+            </a:extLst>
+          </p:cNvPr>
           <p:cNvSpPr>
             <a:spLocks noGrp="1"/>
           </p:cNvSpPr>
@@ -464,7 +520,7 @@
     </p:spTree>
     <p:extLst>
       <p:ext uri="{BB962C8B-B14F-4D97-AF65-F5344CB8AC3E}">
-        <p14:creationId xmlns:p14="http://schemas.microsoft.com/office/powerpoint/2010/main" val="297062066"/>
+        <p14:creationId xmlns:p14="http://schemas.microsoft.com/office/powerpoint/2010/main" val="2117681742"/>
       </p:ext>
     </p:extLst>
   </p:cSld>
@@ -493,7 +549,13 @@
       </p:grpSpPr>
       <p:sp>
         <p:nvSpPr>
-          <p:cNvPr id="2" name="Vertical Title 1"/>
+          <p:cNvPr id="2" name="Vertical Title 1">
+            <a:extLst>
+              <a:ext uri="{FF2B5EF4-FFF2-40B4-BE49-F238E27FC236}">
+                <a16:creationId xmlns:a16="http://schemas.microsoft.com/office/drawing/2014/main" id="{A3280931-9DD0-44CF-9FD9-AA5ABECC7449}"/>
+              </a:ext>
+            </a:extLst>
+          </p:cNvPr>
           <p:cNvSpPr>
             <a:spLocks noGrp="1"/>
           </p:cNvSpPr>
@@ -503,7 +565,7 @@
         </p:nvSpPr>
         <p:spPr>
           <a:xfrm>
-            <a:off x="4907757" y="486834"/>
+            <a:off x="4907756" y="486834"/>
             <a:ext cx="1478756" cy="7749117"/>
           </a:xfrm>
         </p:spPr>
@@ -515,13 +577,18 @@
               <a:rPr lang="en-US"/>
               <a:t>Click to edit Master title style</a:t>
             </a:r>
-            <a:endParaRPr lang="en-US" dirty="0"/>
-          </a:p>
-        </p:txBody>
-      </p:sp>
-      <p:sp>
-        <p:nvSpPr>
-          <p:cNvPr id="3" name="Vertical Text Placeholder 2"/>
+          </a:p>
+        </p:txBody>
+      </p:sp>
+      <p:sp>
+        <p:nvSpPr>
+          <p:cNvPr id="3" name="Vertical Text Placeholder 2">
+            <a:extLst>
+              <a:ext uri="{FF2B5EF4-FFF2-40B4-BE49-F238E27FC236}">
+                <a16:creationId xmlns:a16="http://schemas.microsoft.com/office/drawing/2014/main" id="{674BCFD4-D1AA-46BB-93D8-C222E870FBEE}"/>
+              </a:ext>
+            </a:extLst>
+          </p:cNvPr>
           <p:cNvSpPr>
             <a:spLocks noGrp="1"/>
           </p:cNvSpPr>
@@ -531,7 +598,7 @@
         </p:nvSpPr>
         <p:spPr>
           <a:xfrm>
-            <a:off x="471488" y="486834"/>
+            <a:off x="471487" y="486834"/>
             <a:ext cx="4350544" cy="7749117"/>
           </a:xfrm>
         </p:spPr>
@@ -542,7 +609,7 @@
             <a:pPr lvl="0"/>
             <a:r>
               <a:rPr lang="en-US"/>
-              <a:t>Edit Master text styles</a:t>
+              <a:t>Click to edit Master text styles</a:t>
             </a:r>
           </a:p>
           <a:p>
@@ -572,13 +639,18 @@
               <a:rPr lang="en-US"/>
               <a:t>Fifth level</a:t>
             </a:r>
-            <a:endParaRPr lang="en-US" dirty="0"/>
-          </a:p>
-        </p:txBody>
-      </p:sp>
-      <p:sp>
-        <p:nvSpPr>
-          <p:cNvPr id="4" name="Date Placeholder 3"/>
+          </a:p>
+        </p:txBody>
+      </p:sp>
+      <p:sp>
+        <p:nvSpPr>
+          <p:cNvPr id="4" name="Date Placeholder 3">
+            <a:extLst>
+              <a:ext uri="{FF2B5EF4-FFF2-40B4-BE49-F238E27FC236}">
+                <a16:creationId xmlns:a16="http://schemas.microsoft.com/office/drawing/2014/main" id="{4FEFEFF8-4116-4E38-9DC8-FAF3E00916F5}"/>
+              </a:ext>
+            </a:extLst>
+          </p:cNvPr>
           <p:cNvSpPr>
             <a:spLocks noGrp="1"/>
           </p:cNvSpPr>
@@ -593,7 +665,7 @@
           <a:p>
             <a:fld id="{97FCB51F-0F98-4CDE-A35C-0BB540E2F7A9}" type="datetimeFigureOut">
               <a:rPr lang="en-US" smtClean="0"/>
-              <a:t>11/25/2018</a:t>
+              <a:t>11/25/2019</a:t>
             </a:fld>
             <a:endParaRPr lang="en-US"/>
           </a:p>
@@ -601,7 +673,13 @@
       </p:sp>
       <p:sp>
         <p:nvSpPr>
-          <p:cNvPr id="5" name="Footer Placeholder 4"/>
+          <p:cNvPr id="5" name="Footer Placeholder 4">
+            <a:extLst>
+              <a:ext uri="{FF2B5EF4-FFF2-40B4-BE49-F238E27FC236}">
+                <a16:creationId xmlns:a16="http://schemas.microsoft.com/office/drawing/2014/main" id="{085CD136-59CE-4210-9574-4FE90D2C6E24}"/>
+              </a:ext>
+            </a:extLst>
+          </p:cNvPr>
           <p:cNvSpPr>
             <a:spLocks noGrp="1"/>
           </p:cNvSpPr>
@@ -620,7 +698,13 @@
       </p:sp>
       <p:sp>
         <p:nvSpPr>
-          <p:cNvPr id="6" name="Slide Number Placeholder 5"/>
+          <p:cNvPr id="6" name="Slide Number Placeholder 5">
+            <a:extLst>
+              <a:ext uri="{FF2B5EF4-FFF2-40B4-BE49-F238E27FC236}">
+                <a16:creationId xmlns:a16="http://schemas.microsoft.com/office/drawing/2014/main" id="{6B77061B-1E72-4276-847B-4FC63F44D483}"/>
+              </a:ext>
+            </a:extLst>
+          </p:cNvPr>
           <p:cNvSpPr>
             <a:spLocks noGrp="1"/>
           </p:cNvSpPr>
@@ -644,7 +728,7 @@
     </p:spTree>
     <p:extLst>
       <p:ext uri="{BB962C8B-B14F-4D97-AF65-F5344CB8AC3E}">
-        <p14:creationId xmlns:p14="http://schemas.microsoft.com/office/powerpoint/2010/main" val="33202655"/>
+        <p14:creationId xmlns:p14="http://schemas.microsoft.com/office/powerpoint/2010/main" val="1817702160"/>
       </p:ext>
     </p:extLst>
   </p:cSld>
@@ -673,7 +757,13 @@
       </p:grpSpPr>
       <p:sp>
         <p:nvSpPr>
-          <p:cNvPr id="2" name="Title 1"/>
+          <p:cNvPr id="2" name="Title 1">
+            <a:extLst>
+              <a:ext uri="{FF2B5EF4-FFF2-40B4-BE49-F238E27FC236}">
+                <a16:creationId xmlns:a16="http://schemas.microsoft.com/office/drawing/2014/main" id="{B3BE9565-24EA-43A1-9AF3-5D20794BC31A}"/>
+              </a:ext>
+            </a:extLst>
+          </p:cNvPr>
           <p:cNvSpPr>
             <a:spLocks noGrp="1"/>
           </p:cNvSpPr>
@@ -690,13 +780,18 @@
               <a:rPr lang="en-US"/>
               <a:t>Click to edit Master title style</a:t>
             </a:r>
-            <a:endParaRPr lang="en-US" dirty="0"/>
-          </a:p>
-        </p:txBody>
-      </p:sp>
-      <p:sp>
-        <p:nvSpPr>
-          <p:cNvPr id="3" name="Content Placeholder 2"/>
+          </a:p>
+        </p:txBody>
+      </p:sp>
+      <p:sp>
+        <p:nvSpPr>
+          <p:cNvPr id="3" name="Content Placeholder 2">
+            <a:extLst>
+              <a:ext uri="{FF2B5EF4-FFF2-40B4-BE49-F238E27FC236}">
+                <a16:creationId xmlns:a16="http://schemas.microsoft.com/office/drawing/2014/main" id="{38E699C1-93A0-4253-A239-9A8DBC3673EC}"/>
+              </a:ext>
+            </a:extLst>
+          </p:cNvPr>
           <p:cNvSpPr>
             <a:spLocks noGrp="1"/>
           </p:cNvSpPr>
@@ -712,7 +807,7 @@
             <a:pPr lvl="0"/>
             <a:r>
               <a:rPr lang="en-US"/>
-              <a:t>Edit Master text styles</a:t>
+              <a:t>Click to edit Master text styles</a:t>
             </a:r>
           </a:p>
           <a:p>
@@ -742,13 +837,18 @@
               <a:rPr lang="en-US"/>
               <a:t>Fifth level</a:t>
             </a:r>
-            <a:endParaRPr lang="en-US" dirty="0"/>
-          </a:p>
-        </p:txBody>
-      </p:sp>
-      <p:sp>
-        <p:nvSpPr>
-          <p:cNvPr id="4" name="Date Placeholder 3"/>
+          </a:p>
+        </p:txBody>
+      </p:sp>
+      <p:sp>
+        <p:nvSpPr>
+          <p:cNvPr id="4" name="Date Placeholder 3">
+            <a:extLst>
+              <a:ext uri="{FF2B5EF4-FFF2-40B4-BE49-F238E27FC236}">
+                <a16:creationId xmlns:a16="http://schemas.microsoft.com/office/drawing/2014/main" id="{AC6B2856-4700-4F6B-AA7F-5CE26FA908CD}"/>
+              </a:ext>
+            </a:extLst>
+          </p:cNvPr>
           <p:cNvSpPr>
             <a:spLocks noGrp="1"/>
           </p:cNvSpPr>
@@ -763,7 +863,7 @@
           <a:p>
             <a:fld id="{97FCB51F-0F98-4CDE-A35C-0BB540E2F7A9}" type="datetimeFigureOut">
               <a:rPr lang="en-US" smtClean="0"/>
-              <a:t>11/25/2018</a:t>
+              <a:t>11/25/2019</a:t>
             </a:fld>
             <a:endParaRPr lang="en-US"/>
           </a:p>
@@ -771,7 +871,13 @@
       </p:sp>
       <p:sp>
         <p:nvSpPr>
-          <p:cNvPr id="5" name="Footer Placeholder 4"/>
+          <p:cNvPr id="5" name="Footer Placeholder 4">
+            <a:extLst>
+              <a:ext uri="{FF2B5EF4-FFF2-40B4-BE49-F238E27FC236}">
+                <a16:creationId xmlns:a16="http://schemas.microsoft.com/office/drawing/2014/main" id="{30918C4A-6FDE-47F9-BFA8-74B83954A4F3}"/>
+              </a:ext>
+            </a:extLst>
+          </p:cNvPr>
           <p:cNvSpPr>
             <a:spLocks noGrp="1"/>
           </p:cNvSpPr>
@@ -790,7 +896,13 @@
       </p:sp>
       <p:sp>
         <p:nvSpPr>
-          <p:cNvPr id="6" name="Slide Number Placeholder 5"/>
+          <p:cNvPr id="6" name="Slide Number Placeholder 5">
+            <a:extLst>
+              <a:ext uri="{FF2B5EF4-FFF2-40B4-BE49-F238E27FC236}">
+                <a16:creationId xmlns:a16="http://schemas.microsoft.com/office/drawing/2014/main" id="{1F0269BE-A6E3-481D-8BCD-7DDE3BFAD496}"/>
+              </a:ext>
+            </a:extLst>
+          </p:cNvPr>
           <p:cNvSpPr>
             <a:spLocks noGrp="1"/>
           </p:cNvSpPr>
@@ -814,7 +926,7 @@
     </p:spTree>
     <p:extLst>
       <p:ext uri="{BB962C8B-B14F-4D97-AF65-F5344CB8AC3E}">
-        <p14:creationId xmlns:p14="http://schemas.microsoft.com/office/powerpoint/2010/main" val="426683333"/>
+        <p14:creationId xmlns:p14="http://schemas.microsoft.com/office/powerpoint/2010/main" val="1167852087"/>
       </p:ext>
     </p:extLst>
   </p:cSld>
@@ -843,7 +955,13 @@
       </p:grpSpPr>
       <p:sp>
         <p:nvSpPr>
-          <p:cNvPr id="2" name="Title 1"/>
+          <p:cNvPr id="2" name="Title 1">
+            <a:extLst>
+              <a:ext uri="{FF2B5EF4-FFF2-40B4-BE49-F238E27FC236}">
+                <a16:creationId xmlns:a16="http://schemas.microsoft.com/office/drawing/2014/main" id="{4EF80094-9A03-47FB-BB9C-7A4431164FD6}"/>
+              </a:ext>
+            </a:extLst>
+          </p:cNvPr>
           <p:cNvSpPr>
             <a:spLocks noGrp="1"/>
           </p:cNvSpPr>
@@ -853,7 +971,7 @@
         </p:nvSpPr>
         <p:spPr>
           <a:xfrm>
-            <a:off x="467916" y="2279653"/>
+            <a:off x="467916" y="2279652"/>
             <a:ext cx="5915025" cy="3803649"/>
           </a:xfrm>
         </p:spPr>
@@ -861,7 +979,7 @@
           <a:bodyPr anchor="b"/>
           <a:lstStyle>
             <a:lvl1pPr>
-              <a:defRPr sz="4500"/>
+              <a:defRPr sz="3375"/>
             </a:lvl1pPr>
           </a:lstStyle>
           <a:p>
@@ -869,13 +987,18 @@
               <a:rPr lang="en-US"/>
               <a:t>Click to edit Master title style</a:t>
             </a:r>
-            <a:endParaRPr lang="en-US" dirty="0"/>
-          </a:p>
-        </p:txBody>
-      </p:sp>
-      <p:sp>
-        <p:nvSpPr>
-          <p:cNvPr id="3" name="Text Placeholder 2"/>
+          </a:p>
+        </p:txBody>
+      </p:sp>
+      <p:sp>
+        <p:nvSpPr>
+          <p:cNvPr id="3" name="Text Placeholder 2">
+            <a:extLst>
+              <a:ext uri="{FF2B5EF4-FFF2-40B4-BE49-F238E27FC236}">
+                <a16:creationId xmlns:a16="http://schemas.microsoft.com/office/drawing/2014/main" id="{640F7B27-860A-4E4E-A7C0-F8C4A4C57C8F}"/>
+              </a:ext>
+            </a:extLst>
+          </p:cNvPr>
           <p:cNvSpPr>
             <a:spLocks noGrp="1"/>
           </p:cNvSpPr>
@@ -885,7 +1008,7 @@
         </p:nvSpPr>
         <p:spPr>
           <a:xfrm>
-            <a:off x="467916" y="6119286"/>
+            <a:off x="467916" y="6119285"/>
             <a:ext cx="5915025" cy="2000249"/>
           </a:xfrm>
         </p:spPr>
@@ -894,15 +1017,17 @@
           <a:lstStyle>
             <a:lvl1pPr marL="0" indent="0">
               <a:buNone/>
-              <a:defRPr sz="1800">
+              <a:defRPr sz="1350">
                 <a:solidFill>
-                  <a:schemeClr val="tx1"/>
+                  <a:schemeClr val="tx1">
+                    <a:tint val="75000"/>
+                  </a:schemeClr>
                 </a:solidFill>
               </a:defRPr>
             </a:lvl1pPr>
-            <a:lvl2pPr marL="342900" indent="0">
-              <a:buNone/>
-              <a:defRPr sz="1500">
+            <a:lvl2pPr marL="257175" indent="0">
+              <a:buNone/>
+              <a:defRPr sz="1125">
                 <a:solidFill>
                   <a:schemeClr val="tx1">
                     <a:tint val="75000"/>
@@ -910,9 +1035,9 @@
                 </a:solidFill>
               </a:defRPr>
             </a:lvl2pPr>
-            <a:lvl3pPr marL="685800" indent="0">
-              <a:buNone/>
-              <a:defRPr sz="1350">
+            <a:lvl3pPr marL="514350" indent="0">
+              <a:buNone/>
+              <a:defRPr sz="1013">
                 <a:solidFill>
                   <a:schemeClr val="tx1">
                     <a:tint val="75000"/>
@@ -920,9 +1045,9 @@
                 </a:solidFill>
               </a:defRPr>
             </a:lvl3pPr>
-            <a:lvl4pPr marL="1028700" indent="0">
-              <a:buNone/>
-              <a:defRPr sz="1200">
+            <a:lvl4pPr marL="771525" indent="0">
+              <a:buNone/>
+              <a:defRPr sz="900">
                 <a:solidFill>
                   <a:schemeClr val="tx1">
                     <a:tint val="75000"/>
@@ -930,9 +1055,9 @@
                 </a:solidFill>
               </a:defRPr>
             </a:lvl4pPr>
-            <a:lvl5pPr marL="1371600" indent="0">
-              <a:buNone/>
-              <a:defRPr sz="1200">
+            <a:lvl5pPr marL="1028700" indent="0">
+              <a:buNone/>
+              <a:defRPr sz="900">
                 <a:solidFill>
                   <a:schemeClr val="tx1">
                     <a:tint val="75000"/>
@@ -940,9 +1065,9 @@
                 </a:solidFill>
               </a:defRPr>
             </a:lvl5pPr>
-            <a:lvl6pPr marL="1714500" indent="0">
-              <a:buNone/>
-              <a:defRPr sz="1200">
+            <a:lvl6pPr marL="1285875" indent="0">
+              <a:buNone/>
+              <a:defRPr sz="900">
                 <a:solidFill>
                   <a:schemeClr val="tx1">
                     <a:tint val="75000"/>
@@ -950,9 +1075,9 @@
                 </a:solidFill>
               </a:defRPr>
             </a:lvl6pPr>
-            <a:lvl7pPr marL="2057400" indent="0">
-              <a:buNone/>
-              <a:defRPr sz="1200">
+            <a:lvl7pPr marL="1543050" indent="0">
+              <a:buNone/>
+              <a:defRPr sz="900">
                 <a:solidFill>
                   <a:schemeClr val="tx1">
                     <a:tint val="75000"/>
@@ -960,9 +1085,9 @@
                 </a:solidFill>
               </a:defRPr>
             </a:lvl7pPr>
-            <a:lvl8pPr marL="2400300" indent="0">
-              <a:buNone/>
-              <a:defRPr sz="1200">
+            <a:lvl8pPr marL="1800225" indent="0">
+              <a:buNone/>
+              <a:defRPr sz="900">
                 <a:solidFill>
                   <a:schemeClr val="tx1">
                     <a:tint val="75000"/>
@@ -970,9 +1095,9 @@
                 </a:solidFill>
               </a:defRPr>
             </a:lvl8pPr>
-            <a:lvl9pPr marL="2743200" indent="0">
-              <a:buNone/>
-              <a:defRPr sz="1200">
+            <a:lvl9pPr marL="2057400" indent="0">
+              <a:buNone/>
+              <a:defRPr sz="900">
                 <a:solidFill>
                   <a:schemeClr val="tx1">
                     <a:tint val="75000"/>
@@ -985,14 +1110,20 @@
             <a:pPr lvl="0"/>
             <a:r>
               <a:rPr lang="en-US"/>
-              <a:t>Edit Master text styles</a:t>
-            </a:r>
-          </a:p>
-        </p:txBody>
-      </p:sp>
-      <p:sp>
-        <p:nvSpPr>
-          <p:cNvPr id="4" name="Date Placeholder 3"/>
+              <a:t>Click to edit Master text styles</a:t>
+            </a:r>
+          </a:p>
+        </p:txBody>
+      </p:sp>
+      <p:sp>
+        <p:nvSpPr>
+          <p:cNvPr id="4" name="Date Placeholder 3">
+            <a:extLst>
+              <a:ext uri="{FF2B5EF4-FFF2-40B4-BE49-F238E27FC236}">
+                <a16:creationId xmlns:a16="http://schemas.microsoft.com/office/drawing/2014/main" id="{564F9F3E-C55A-4760-BB44-E27F3D6DD5F3}"/>
+              </a:ext>
+            </a:extLst>
+          </p:cNvPr>
           <p:cNvSpPr>
             <a:spLocks noGrp="1"/>
           </p:cNvSpPr>
@@ -1007,7 +1138,7 @@
           <a:p>
             <a:fld id="{97FCB51F-0F98-4CDE-A35C-0BB540E2F7A9}" type="datetimeFigureOut">
               <a:rPr lang="en-US" smtClean="0"/>
-              <a:t>11/25/2018</a:t>
+              <a:t>11/25/2019</a:t>
             </a:fld>
             <a:endParaRPr lang="en-US"/>
           </a:p>
@@ -1015,7 +1146,13 @@
       </p:sp>
       <p:sp>
         <p:nvSpPr>
-          <p:cNvPr id="5" name="Footer Placeholder 4"/>
+          <p:cNvPr id="5" name="Footer Placeholder 4">
+            <a:extLst>
+              <a:ext uri="{FF2B5EF4-FFF2-40B4-BE49-F238E27FC236}">
+                <a16:creationId xmlns:a16="http://schemas.microsoft.com/office/drawing/2014/main" id="{82CF00C4-DA6A-48D0-B702-2D2C5168D597}"/>
+              </a:ext>
+            </a:extLst>
+          </p:cNvPr>
           <p:cNvSpPr>
             <a:spLocks noGrp="1"/>
           </p:cNvSpPr>
@@ -1034,7 +1171,13 @@
       </p:sp>
       <p:sp>
         <p:nvSpPr>
-          <p:cNvPr id="6" name="Slide Number Placeholder 5"/>
+          <p:cNvPr id="6" name="Slide Number Placeholder 5">
+            <a:extLst>
+              <a:ext uri="{FF2B5EF4-FFF2-40B4-BE49-F238E27FC236}">
+                <a16:creationId xmlns:a16="http://schemas.microsoft.com/office/drawing/2014/main" id="{70BACB0C-278A-4B12-9855-ACA384BA8F42}"/>
+              </a:ext>
+            </a:extLst>
+          </p:cNvPr>
           <p:cNvSpPr>
             <a:spLocks noGrp="1"/>
           </p:cNvSpPr>
@@ -1058,7 +1201,7 @@
     </p:spTree>
     <p:extLst>
       <p:ext uri="{BB962C8B-B14F-4D97-AF65-F5344CB8AC3E}">
-        <p14:creationId xmlns:p14="http://schemas.microsoft.com/office/powerpoint/2010/main" val="1334468091"/>
+        <p14:creationId xmlns:p14="http://schemas.microsoft.com/office/powerpoint/2010/main" val="2747247574"/>
       </p:ext>
     </p:extLst>
   </p:cSld>
@@ -1087,7 +1230,13 @@
       </p:grpSpPr>
       <p:sp>
         <p:nvSpPr>
-          <p:cNvPr id="2" name="Title 1"/>
+          <p:cNvPr id="2" name="Title 1">
+            <a:extLst>
+              <a:ext uri="{FF2B5EF4-FFF2-40B4-BE49-F238E27FC236}">
+                <a16:creationId xmlns:a16="http://schemas.microsoft.com/office/drawing/2014/main" id="{006269BA-A05D-417A-BF6F-0195C6BD5B25}"/>
+              </a:ext>
+            </a:extLst>
+          </p:cNvPr>
           <p:cNvSpPr>
             <a:spLocks noGrp="1"/>
           </p:cNvSpPr>
@@ -1104,13 +1253,18 @@
               <a:rPr lang="en-US"/>
               <a:t>Click to edit Master title style</a:t>
             </a:r>
-            <a:endParaRPr lang="en-US" dirty="0"/>
-          </a:p>
-        </p:txBody>
-      </p:sp>
-      <p:sp>
-        <p:nvSpPr>
-          <p:cNvPr id="3" name="Content Placeholder 2"/>
+          </a:p>
+        </p:txBody>
+      </p:sp>
+      <p:sp>
+        <p:nvSpPr>
+          <p:cNvPr id="3" name="Content Placeholder 2">
+            <a:extLst>
+              <a:ext uri="{FF2B5EF4-FFF2-40B4-BE49-F238E27FC236}">
+                <a16:creationId xmlns:a16="http://schemas.microsoft.com/office/drawing/2014/main" id="{3C1386AB-380A-4119-BE51-E7127A1B7B74}"/>
+              </a:ext>
+            </a:extLst>
+          </p:cNvPr>
           <p:cNvSpPr>
             <a:spLocks noGrp="1"/>
           </p:cNvSpPr>
@@ -1131,7 +1285,7 @@
             <a:pPr lvl="0"/>
             <a:r>
               <a:rPr lang="en-US"/>
-              <a:t>Edit Master text styles</a:t>
+              <a:t>Click to edit Master text styles</a:t>
             </a:r>
           </a:p>
           <a:p>
@@ -1161,13 +1315,18 @@
               <a:rPr lang="en-US"/>
               <a:t>Fifth level</a:t>
             </a:r>
-            <a:endParaRPr lang="en-US" dirty="0"/>
-          </a:p>
-        </p:txBody>
-      </p:sp>
-      <p:sp>
-        <p:nvSpPr>
-          <p:cNvPr id="4" name="Content Placeholder 3"/>
+          </a:p>
+        </p:txBody>
+      </p:sp>
+      <p:sp>
+        <p:nvSpPr>
+          <p:cNvPr id="4" name="Content Placeholder 3">
+            <a:extLst>
+              <a:ext uri="{FF2B5EF4-FFF2-40B4-BE49-F238E27FC236}">
+                <a16:creationId xmlns:a16="http://schemas.microsoft.com/office/drawing/2014/main" id="{DE34A545-8A9C-4A49-A6DE-DEF9C5475B81}"/>
+              </a:ext>
+            </a:extLst>
+          </p:cNvPr>
           <p:cNvSpPr>
             <a:spLocks noGrp="1"/>
           </p:cNvSpPr>
@@ -1188,7 +1347,7 @@
             <a:pPr lvl="0"/>
             <a:r>
               <a:rPr lang="en-US"/>
-              <a:t>Edit Master text styles</a:t>
+              <a:t>Click to edit Master text styles</a:t>
             </a:r>
           </a:p>
           <a:p>
@@ -1218,13 +1377,18 @@
               <a:rPr lang="en-US"/>
               <a:t>Fifth level</a:t>
             </a:r>
-            <a:endParaRPr lang="en-US" dirty="0"/>
-          </a:p>
-        </p:txBody>
-      </p:sp>
-      <p:sp>
-        <p:nvSpPr>
-          <p:cNvPr id="5" name="Date Placeholder 4"/>
+          </a:p>
+        </p:txBody>
+      </p:sp>
+      <p:sp>
+        <p:nvSpPr>
+          <p:cNvPr id="5" name="Date Placeholder 4">
+            <a:extLst>
+              <a:ext uri="{FF2B5EF4-FFF2-40B4-BE49-F238E27FC236}">
+                <a16:creationId xmlns:a16="http://schemas.microsoft.com/office/drawing/2014/main" id="{DA37DEA2-BD84-458D-840C-C76A5BA31AF2}"/>
+              </a:ext>
+            </a:extLst>
+          </p:cNvPr>
           <p:cNvSpPr>
             <a:spLocks noGrp="1"/>
           </p:cNvSpPr>
@@ -1239,7 +1403,7 @@
           <a:p>
             <a:fld id="{97FCB51F-0F98-4CDE-A35C-0BB540E2F7A9}" type="datetimeFigureOut">
               <a:rPr lang="en-US" smtClean="0"/>
-              <a:t>11/25/2018</a:t>
+              <a:t>11/25/2019</a:t>
             </a:fld>
             <a:endParaRPr lang="en-US"/>
           </a:p>
@@ -1247,7 +1411,13 @@
       </p:sp>
       <p:sp>
         <p:nvSpPr>
-          <p:cNvPr id="6" name="Footer Placeholder 5"/>
+          <p:cNvPr id="6" name="Footer Placeholder 5">
+            <a:extLst>
+              <a:ext uri="{FF2B5EF4-FFF2-40B4-BE49-F238E27FC236}">
+                <a16:creationId xmlns:a16="http://schemas.microsoft.com/office/drawing/2014/main" id="{054CE048-5F40-49FE-ADD4-6CAB174539BC}"/>
+              </a:ext>
+            </a:extLst>
+          </p:cNvPr>
           <p:cNvSpPr>
             <a:spLocks noGrp="1"/>
           </p:cNvSpPr>
@@ -1266,7 +1436,13 @@
       </p:sp>
       <p:sp>
         <p:nvSpPr>
-          <p:cNvPr id="7" name="Slide Number Placeholder 6"/>
+          <p:cNvPr id="7" name="Slide Number Placeholder 6">
+            <a:extLst>
+              <a:ext uri="{FF2B5EF4-FFF2-40B4-BE49-F238E27FC236}">
+                <a16:creationId xmlns:a16="http://schemas.microsoft.com/office/drawing/2014/main" id="{FAD4709B-52AC-4F67-9B51-71E92AF4A9E8}"/>
+              </a:ext>
+            </a:extLst>
+          </p:cNvPr>
           <p:cNvSpPr>
             <a:spLocks noGrp="1"/>
           </p:cNvSpPr>
@@ -1290,7 +1466,7 @@
     </p:spTree>
     <p:extLst>
       <p:ext uri="{BB962C8B-B14F-4D97-AF65-F5344CB8AC3E}">
-        <p14:creationId xmlns:p14="http://schemas.microsoft.com/office/powerpoint/2010/main" val="485201963"/>
+        <p14:creationId xmlns:p14="http://schemas.microsoft.com/office/powerpoint/2010/main" val="1266459234"/>
       </p:ext>
     </p:extLst>
   </p:cSld>
@@ -1319,7 +1495,13 @@
       </p:grpSpPr>
       <p:sp>
         <p:nvSpPr>
-          <p:cNvPr id="2" name="Title 1"/>
+          <p:cNvPr id="2" name="Title 1">
+            <a:extLst>
+              <a:ext uri="{FF2B5EF4-FFF2-40B4-BE49-F238E27FC236}">
+                <a16:creationId xmlns:a16="http://schemas.microsoft.com/office/drawing/2014/main" id="{73FA91F3-B6EE-4BFA-BA09-C4A9D08FE775}"/>
+              </a:ext>
+            </a:extLst>
+          </p:cNvPr>
           <p:cNvSpPr>
             <a:spLocks noGrp="1"/>
           </p:cNvSpPr>
@@ -1329,7 +1511,7 @@
         </p:nvSpPr>
         <p:spPr>
           <a:xfrm>
-            <a:off x="472381" y="486836"/>
+            <a:off x="472381" y="486834"/>
             <a:ext cx="5915025" cy="1767417"/>
           </a:xfrm>
         </p:spPr>
@@ -1341,13 +1523,18 @@
               <a:rPr lang="en-US"/>
               <a:t>Click to edit Master title style</a:t>
             </a:r>
-            <a:endParaRPr lang="en-US" dirty="0"/>
-          </a:p>
-        </p:txBody>
-      </p:sp>
-      <p:sp>
-        <p:nvSpPr>
-          <p:cNvPr id="3" name="Text Placeholder 2"/>
+          </a:p>
+        </p:txBody>
+      </p:sp>
+      <p:sp>
+        <p:nvSpPr>
+          <p:cNvPr id="3" name="Text Placeholder 2">
+            <a:extLst>
+              <a:ext uri="{FF2B5EF4-FFF2-40B4-BE49-F238E27FC236}">
+                <a16:creationId xmlns:a16="http://schemas.microsoft.com/office/drawing/2014/main" id="{055E54D5-4327-4328-A786-9A2E17CC390B}"/>
+              </a:ext>
+            </a:extLst>
+          </p:cNvPr>
           <p:cNvSpPr>
             <a:spLocks noGrp="1"/>
           </p:cNvSpPr>
@@ -1366,53 +1553,59 @@
           <a:lstStyle>
             <a:lvl1pPr marL="0" indent="0">
               <a:buNone/>
-              <a:defRPr sz="1800" b="1"/>
+              <a:defRPr sz="1350" b="1"/>
             </a:lvl1pPr>
-            <a:lvl2pPr marL="342900" indent="0">
-              <a:buNone/>
-              <a:defRPr sz="1500" b="1"/>
+            <a:lvl2pPr marL="257175" indent="0">
+              <a:buNone/>
+              <a:defRPr sz="1125" b="1"/>
             </a:lvl2pPr>
-            <a:lvl3pPr marL="685800" indent="0">
-              <a:buNone/>
-              <a:defRPr sz="1350" b="1"/>
+            <a:lvl3pPr marL="514350" indent="0">
+              <a:buNone/>
+              <a:defRPr sz="1013" b="1"/>
             </a:lvl3pPr>
-            <a:lvl4pPr marL="1028700" indent="0">
-              <a:buNone/>
-              <a:defRPr sz="1200" b="1"/>
+            <a:lvl4pPr marL="771525" indent="0">
+              <a:buNone/>
+              <a:defRPr sz="900" b="1"/>
             </a:lvl4pPr>
-            <a:lvl5pPr marL="1371600" indent="0">
-              <a:buNone/>
-              <a:defRPr sz="1200" b="1"/>
+            <a:lvl5pPr marL="1028700" indent="0">
+              <a:buNone/>
+              <a:defRPr sz="900" b="1"/>
             </a:lvl5pPr>
-            <a:lvl6pPr marL="1714500" indent="0">
-              <a:buNone/>
-              <a:defRPr sz="1200" b="1"/>
+            <a:lvl6pPr marL="1285875" indent="0">
+              <a:buNone/>
+              <a:defRPr sz="900" b="1"/>
             </a:lvl6pPr>
-            <a:lvl7pPr marL="2057400" indent="0">
-              <a:buNone/>
-              <a:defRPr sz="1200" b="1"/>
+            <a:lvl7pPr marL="1543050" indent="0">
+              <a:buNone/>
+              <a:defRPr sz="900" b="1"/>
             </a:lvl7pPr>
-            <a:lvl8pPr marL="2400300" indent="0">
-              <a:buNone/>
-              <a:defRPr sz="1200" b="1"/>
+            <a:lvl8pPr marL="1800225" indent="0">
+              <a:buNone/>
+              <a:defRPr sz="900" b="1"/>
             </a:lvl8pPr>
-            <a:lvl9pPr marL="2743200" indent="0">
-              <a:buNone/>
-              <a:defRPr sz="1200" b="1"/>
+            <a:lvl9pPr marL="2057400" indent="0">
+              <a:buNone/>
+              <a:defRPr sz="900" b="1"/>
             </a:lvl9pPr>
           </a:lstStyle>
           <a:p>
             <a:pPr lvl="0"/>
             <a:r>
               <a:rPr lang="en-US"/>
-              <a:t>Edit Master text styles</a:t>
-            </a:r>
-          </a:p>
-        </p:txBody>
-      </p:sp>
-      <p:sp>
-        <p:nvSpPr>
-          <p:cNvPr id="4" name="Content Placeholder 3"/>
+              <a:t>Click to edit Master text styles</a:t>
+            </a:r>
+          </a:p>
+        </p:txBody>
+      </p:sp>
+      <p:sp>
+        <p:nvSpPr>
+          <p:cNvPr id="4" name="Content Placeholder 3">
+            <a:extLst>
+              <a:ext uri="{FF2B5EF4-FFF2-40B4-BE49-F238E27FC236}">
+                <a16:creationId xmlns:a16="http://schemas.microsoft.com/office/drawing/2014/main" id="{E931DC53-BD40-4329-B00F-B61670C5676C}"/>
+              </a:ext>
+            </a:extLst>
+          </p:cNvPr>
           <p:cNvSpPr>
             <a:spLocks noGrp="1"/>
           </p:cNvSpPr>
@@ -1433,7 +1626,7 @@
             <a:pPr lvl="0"/>
             <a:r>
               <a:rPr lang="en-US"/>
-              <a:t>Edit Master text styles</a:t>
+              <a:t>Click to edit Master text styles</a:t>
             </a:r>
           </a:p>
           <a:p>
@@ -1463,13 +1656,18 @@
               <a:rPr lang="en-US"/>
               <a:t>Fifth level</a:t>
             </a:r>
-            <a:endParaRPr lang="en-US" dirty="0"/>
-          </a:p>
-        </p:txBody>
-      </p:sp>
-      <p:sp>
-        <p:nvSpPr>
-          <p:cNvPr id="5" name="Text Placeholder 4"/>
+          </a:p>
+        </p:txBody>
+      </p:sp>
+      <p:sp>
+        <p:nvSpPr>
+          <p:cNvPr id="5" name="Text Placeholder 4">
+            <a:extLst>
+              <a:ext uri="{FF2B5EF4-FFF2-40B4-BE49-F238E27FC236}">
+                <a16:creationId xmlns:a16="http://schemas.microsoft.com/office/drawing/2014/main" id="{4CD93BF5-4BD7-4466-B8A4-75FA39858937}"/>
+              </a:ext>
+            </a:extLst>
+          </p:cNvPr>
           <p:cNvSpPr>
             <a:spLocks noGrp="1"/>
           </p:cNvSpPr>
@@ -1488,53 +1686,59 @@
           <a:lstStyle>
             <a:lvl1pPr marL="0" indent="0">
               <a:buNone/>
-              <a:defRPr sz="1800" b="1"/>
+              <a:defRPr sz="1350" b="1"/>
             </a:lvl1pPr>
-            <a:lvl2pPr marL="342900" indent="0">
-              <a:buNone/>
-              <a:defRPr sz="1500" b="1"/>
+            <a:lvl2pPr marL="257175" indent="0">
+              <a:buNone/>
+              <a:defRPr sz="1125" b="1"/>
             </a:lvl2pPr>
-            <a:lvl3pPr marL="685800" indent="0">
-              <a:buNone/>
-              <a:defRPr sz="1350" b="1"/>
+            <a:lvl3pPr marL="514350" indent="0">
+              <a:buNone/>
+              <a:defRPr sz="1013" b="1"/>
             </a:lvl3pPr>
-            <a:lvl4pPr marL="1028700" indent="0">
-              <a:buNone/>
-              <a:defRPr sz="1200" b="1"/>
+            <a:lvl4pPr marL="771525" indent="0">
+              <a:buNone/>
+              <a:defRPr sz="900" b="1"/>
             </a:lvl4pPr>
-            <a:lvl5pPr marL="1371600" indent="0">
-              <a:buNone/>
-              <a:defRPr sz="1200" b="1"/>
+            <a:lvl5pPr marL="1028700" indent="0">
+              <a:buNone/>
+              <a:defRPr sz="900" b="1"/>
             </a:lvl5pPr>
-            <a:lvl6pPr marL="1714500" indent="0">
-              <a:buNone/>
-              <a:defRPr sz="1200" b="1"/>
+            <a:lvl6pPr marL="1285875" indent="0">
+              <a:buNone/>
+              <a:defRPr sz="900" b="1"/>
             </a:lvl6pPr>
-            <a:lvl7pPr marL="2057400" indent="0">
-              <a:buNone/>
-              <a:defRPr sz="1200" b="1"/>
+            <a:lvl7pPr marL="1543050" indent="0">
+              <a:buNone/>
+              <a:defRPr sz="900" b="1"/>
             </a:lvl7pPr>
-            <a:lvl8pPr marL="2400300" indent="0">
-              <a:buNone/>
-              <a:defRPr sz="1200" b="1"/>
+            <a:lvl8pPr marL="1800225" indent="0">
+              <a:buNone/>
+              <a:defRPr sz="900" b="1"/>
             </a:lvl8pPr>
-            <a:lvl9pPr marL="2743200" indent="0">
-              <a:buNone/>
-              <a:defRPr sz="1200" b="1"/>
+            <a:lvl9pPr marL="2057400" indent="0">
+              <a:buNone/>
+              <a:defRPr sz="900" b="1"/>
             </a:lvl9pPr>
           </a:lstStyle>
           <a:p>
             <a:pPr lvl="0"/>
             <a:r>
               <a:rPr lang="en-US"/>
-              <a:t>Edit Master text styles</a:t>
-            </a:r>
-          </a:p>
-        </p:txBody>
-      </p:sp>
-      <p:sp>
-        <p:nvSpPr>
-          <p:cNvPr id="6" name="Content Placeholder 5"/>
+              <a:t>Click to edit Master text styles</a:t>
+            </a:r>
+          </a:p>
+        </p:txBody>
+      </p:sp>
+      <p:sp>
+        <p:nvSpPr>
+          <p:cNvPr id="6" name="Content Placeholder 5">
+            <a:extLst>
+              <a:ext uri="{FF2B5EF4-FFF2-40B4-BE49-F238E27FC236}">
+                <a16:creationId xmlns:a16="http://schemas.microsoft.com/office/drawing/2014/main" id="{0A4CB273-EE06-4718-9C08-7495C0EAA852}"/>
+              </a:ext>
+            </a:extLst>
+          </p:cNvPr>
           <p:cNvSpPr>
             <a:spLocks noGrp="1"/>
           </p:cNvSpPr>
@@ -1555,7 +1759,7 @@
             <a:pPr lvl="0"/>
             <a:r>
               <a:rPr lang="en-US"/>
-              <a:t>Edit Master text styles</a:t>
+              <a:t>Click to edit Master text styles</a:t>
             </a:r>
           </a:p>
           <a:p>
@@ -1585,13 +1789,18 @@
               <a:rPr lang="en-US"/>
               <a:t>Fifth level</a:t>
             </a:r>
-            <a:endParaRPr lang="en-US" dirty="0"/>
-          </a:p>
-        </p:txBody>
-      </p:sp>
-      <p:sp>
-        <p:nvSpPr>
-          <p:cNvPr id="7" name="Date Placeholder 6"/>
+          </a:p>
+        </p:txBody>
+      </p:sp>
+      <p:sp>
+        <p:nvSpPr>
+          <p:cNvPr id="7" name="Date Placeholder 6">
+            <a:extLst>
+              <a:ext uri="{FF2B5EF4-FFF2-40B4-BE49-F238E27FC236}">
+                <a16:creationId xmlns:a16="http://schemas.microsoft.com/office/drawing/2014/main" id="{65DA7145-9B87-46B0-AA3A-2F6564E560B5}"/>
+              </a:ext>
+            </a:extLst>
+          </p:cNvPr>
           <p:cNvSpPr>
             <a:spLocks noGrp="1"/>
           </p:cNvSpPr>
@@ -1606,7 +1815,7 @@
           <a:p>
             <a:fld id="{97FCB51F-0F98-4CDE-A35C-0BB540E2F7A9}" type="datetimeFigureOut">
               <a:rPr lang="en-US" smtClean="0"/>
-              <a:t>11/25/2018</a:t>
+              <a:t>11/25/2019</a:t>
             </a:fld>
             <a:endParaRPr lang="en-US"/>
           </a:p>
@@ -1614,7 +1823,13 @@
       </p:sp>
       <p:sp>
         <p:nvSpPr>
-          <p:cNvPr id="8" name="Footer Placeholder 7"/>
+          <p:cNvPr id="8" name="Footer Placeholder 7">
+            <a:extLst>
+              <a:ext uri="{FF2B5EF4-FFF2-40B4-BE49-F238E27FC236}">
+                <a16:creationId xmlns:a16="http://schemas.microsoft.com/office/drawing/2014/main" id="{3A64D599-94FE-4D67-B2D2-8045D3EAA597}"/>
+              </a:ext>
+            </a:extLst>
+          </p:cNvPr>
           <p:cNvSpPr>
             <a:spLocks noGrp="1"/>
           </p:cNvSpPr>
@@ -1633,7 +1848,13 @@
       </p:sp>
       <p:sp>
         <p:nvSpPr>
-          <p:cNvPr id="9" name="Slide Number Placeholder 8"/>
+          <p:cNvPr id="9" name="Slide Number Placeholder 8">
+            <a:extLst>
+              <a:ext uri="{FF2B5EF4-FFF2-40B4-BE49-F238E27FC236}">
+                <a16:creationId xmlns:a16="http://schemas.microsoft.com/office/drawing/2014/main" id="{C1ED05D5-26FD-4566-B264-C43A937CAE9F}"/>
+              </a:ext>
+            </a:extLst>
+          </p:cNvPr>
           <p:cNvSpPr>
             <a:spLocks noGrp="1"/>
           </p:cNvSpPr>
@@ -1657,7 +1878,7 @@
     </p:spTree>
     <p:extLst>
       <p:ext uri="{BB962C8B-B14F-4D97-AF65-F5344CB8AC3E}">
-        <p14:creationId xmlns:p14="http://schemas.microsoft.com/office/powerpoint/2010/main" val="3448748987"/>
+        <p14:creationId xmlns:p14="http://schemas.microsoft.com/office/powerpoint/2010/main" val="1805991708"/>
       </p:ext>
     </p:extLst>
   </p:cSld>
@@ -1686,7 +1907,13 @@
       </p:grpSpPr>
       <p:sp>
         <p:nvSpPr>
-          <p:cNvPr id="2" name="Title 1"/>
+          <p:cNvPr id="2" name="Title 1">
+            <a:extLst>
+              <a:ext uri="{FF2B5EF4-FFF2-40B4-BE49-F238E27FC236}">
+                <a16:creationId xmlns:a16="http://schemas.microsoft.com/office/drawing/2014/main" id="{82D8801B-BC84-4783-A50B-C4DF8C9E53C6}"/>
+              </a:ext>
+            </a:extLst>
+          </p:cNvPr>
           <p:cNvSpPr>
             <a:spLocks noGrp="1"/>
           </p:cNvSpPr>
@@ -1703,13 +1930,18 @@
               <a:rPr lang="en-US"/>
               <a:t>Click to edit Master title style</a:t>
             </a:r>
-            <a:endParaRPr lang="en-US" dirty="0"/>
-          </a:p>
-        </p:txBody>
-      </p:sp>
-      <p:sp>
-        <p:nvSpPr>
-          <p:cNvPr id="3" name="Date Placeholder 2"/>
+          </a:p>
+        </p:txBody>
+      </p:sp>
+      <p:sp>
+        <p:nvSpPr>
+          <p:cNvPr id="3" name="Date Placeholder 2">
+            <a:extLst>
+              <a:ext uri="{FF2B5EF4-FFF2-40B4-BE49-F238E27FC236}">
+                <a16:creationId xmlns:a16="http://schemas.microsoft.com/office/drawing/2014/main" id="{93D66A29-5357-47FE-B190-2A67CCC1619E}"/>
+              </a:ext>
+            </a:extLst>
+          </p:cNvPr>
           <p:cNvSpPr>
             <a:spLocks noGrp="1"/>
           </p:cNvSpPr>
@@ -1724,7 +1956,7 @@
           <a:p>
             <a:fld id="{97FCB51F-0F98-4CDE-A35C-0BB540E2F7A9}" type="datetimeFigureOut">
               <a:rPr lang="en-US" smtClean="0"/>
-              <a:t>11/25/2018</a:t>
+              <a:t>11/25/2019</a:t>
             </a:fld>
             <a:endParaRPr lang="en-US"/>
           </a:p>
@@ -1732,7 +1964,13 @@
       </p:sp>
       <p:sp>
         <p:nvSpPr>
-          <p:cNvPr id="4" name="Footer Placeholder 3"/>
+          <p:cNvPr id="4" name="Footer Placeholder 3">
+            <a:extLst>
+              <a:ext uri="{FF2B5EF4-FFF2-40B4-BE49-F238E27FC236}">
+                <a16:creationId xmlns:a16="http://schemas.microsoft.com/office/drawing/2014/main" id="{9EA41099-E26A-46F9-883C-509750D88BA5}"/>
+              </a:ext>
+            </a:extLst>
+          </p:cNvPr>
           <p:cNvSpPr>
             <a:spLocks noGrp="1"/>
           </p:cNvSpPr>
@@ -1751,7 +1989,13 @@
       </p:sp>
       <p:sp>
         <p:nvSpPr>
-          <p:cNvPr id="5" name="Slide Number Placeholder 4"/>
+          <p:cNvPr id="5" name="Slide Number Placeholder 4">
+            <a:extLst>
+              <a:ext uri="{FF2B5EF4-FFF2-40B4-BE49-F238E27FC236}">
+                <a16:creationId xmlns:a16="http://schemas.microsoft.com/office/drawing/2014/main" id="{B74EE2A0-CD04-4E65-9E93-549E0CCD8967}"/>
+              </a:ext>
+            </a:extLst>
+          </p:cNvPr>
           <p:cNvSpPr>
             <a:spLocks noGrp="1"/>
           </p:cNvSpPr>
@@ -1775,7 +2019,7 @@
     </p:spTree>
     <p:extLst>
       <p:ext uri="{BB962C8B-B14F-4D97-AF65-F5344CB8AC3E}">
-        <p14:creationId xmlns:p14="http://schemas.microsoft.com/office/powerpoint/2010/main" val="1348069096"/>
+        <p14:creationId xmlns:p14="http://schemas.microsoft.com/office/powerpoint/2010/main" val="3283527003"/>
       </p:ext>
     </p:extLst>
   </p:cSld>
@@ -1804,7 +2048,13 @@
       </p:grpSpPr>
       <p:sp>
         <p:nvSpPr>
-          <p:cNvPr id="2" name="Date Placeholder 1"/>
+          <p:cNvPr id="2" name="Date Placeholder 1">
+            <a:extLst>
+              <a:ext uri="{FF2B5EF4-FFF2-40B4-BE49-F238E27FC236}">
+                <a16:creationId xmlns:a16="http://schemas.microsoft.com/office/drawing/2014/main" id="{066CB657-706A-4832-9FE2-35CF344042D8}"/>
+              </a:ext>
+            </a:extLst>
+          </p:cNvPr>
           <p:cNvSpPr>
             <a:spLocks noGrp="1"/>
           </p:cNvSpPr>
@@ -1819,7 +2069,7 @@
           <a:p>
             <a:fld id="{97FCB51F-0F98-4CDE-A35C-0BB540E2F7A9}" type="datetimeFigureOut">
               <a:rPr lang="en-US" smtClean="0"/>
-              <a:t>11/25/2018</a:t>
+              <a:t>11/25/2019</a:t>
             </a:fld>
             <a:endParaRPr lang="en-US"/>
           </a:p>
@@ -1827,7 +2077,13 @@
       </p:sp>
       <p:sp>
         <p:nvSpPr>
-          <p:cNvPr id="3" name="Footer Placeholder 2"/>
+          <p:cNvPr id="3" name="Footer Placeholder 2">
+            <a:extLst>
+              <a:ext uri="{FF2B5EF4-FFF2-40B4-BE49-F238E27FC236}">
+                <a16:creationId xmlns:a16="http://schemas.microsoft.com/office/drawing/2014/main" id="{32CF5332-5581-40C2-BD93-8FDC58DEFC44}"/>
+              </a:ext>
+            </a:extLst>
+          </p:cNvPr>
           <p:cNvSpPr>
             <a:spLocks noGrp="1"/>
           </p:cNvSpPr>
@@ -1846,7 +2102,13 @@
       </p:sp>
       <p:sp>
         <p:nvSpPr>
-          <p:cNvPr id="4" name="Slide Number Placeholder 3"/>
+          <p:cNvPr id="4" name="Slide Number Placeholder 3">
+            <a:extLst>
+              <a:ext uri="{FF2B5EF4-FFF2-40B4-BE49-F238E27FC236}">
+                <a16:creationId xmlns:a16="http://schemas.microsoft.com/office/drawing/2014/main" id="{DCDA4430-D593-40ED-A4B2-3FA9507DBB55}"/>
+              </a:ext>
+            </a:extLst>
+          </p:cNvPr>
           <p:cNvSpPr>
             <a:spLocks noGrp="1"/>
           </p:cNvSpPr>
@@ -1870,7 +2132,7 @@
     </p:spTree>
     <p:extLst>
       <p:ext uri="{BB962C8B-B14F-4D97-AF65-F5344CB8AC3E}">
-        <p14:creationId xmlns:p14="http://schemas.microsoft.com/office/powerpoint/2010/main" val="2086566035"/>
+        <p14:creationId xmlns:p14="http://schemas.microsoft.com/office/powerpoint/2010/main" val="4275577864"/>
       </p:ext>
     </p:extLst>
   </p:cSld>
@@ -1899,7 +2161,13 @@
       </p:grpSpPr>
       <p:sp>
         <p:nvSpPr>
-          <p:cNvPr id="2" name="Title 1"/>
+          <p:cNvPr id="2" name="Title 1">
+            <a:extLst>
+              <a:ext uri="{FF2B5EF4-FFF2-40B4-BE49-F238E27FC236}">
+                <a16:creationId xmlns:a16="http://schemas.microsoft.com/office/drawing/2014/main" id="{D03EAED7-06DA-4870-ADBB-942B45CC8991}"/>
+              </a:ext>
+            </a:extLst>
+          </p:cNvPr>
           <p:cNvSpPr>
             <a:spLocks noGrp="1"/>
           </p:cNvSpPr>
@@ -1910,14 +2178,14 @@
         <p:spPr>
           <a:xfrm>
             <a:off x="472381" y="609600"/>
-            <a:ext cx="2211884" cy="2133600"/>
+            <a:ext cx="2211883" cy="2133600"/>
           </a:xfrm>
         </p:spPr>
         <p:txBody>
           <a:bodyPr anchor="b"/>
           <a:lstStyle>
             <a:lvl1pPr>
-              <a:defRPr sz="2400"/>
+              <a:defRPr sz="1800"/>
             </a:lvl1pPr>
           </a:lstStyle>
           <a:p>
@@ -1925,13 +2193,18 @@
               <a:rPr lang="en-US"/>
               <a:t>Click to edit Master title style</a:t>
             </a:r>
-            <a:endParaRPr lang="en-US" dirty="0"/>
-          </a:p>
-        </p:txBody>
-      </p:sp>
-      <p:sp>
-        <p:nvSpPr>
-          <p:cNvPr id="3" name="Content Placeholder 2"/>
+          </a:p>
+        </p:txBody>
+      </p:sp>
+      <p:sp>
+        <p:nvSpPr>
+          <p:cNvPr id="3" name="Content Placeholder 2">
+            <a:extLst>
+              <a:ext uri="{FF2B5EF4-FFF2-40B4-BE49-F238E27FC236}">
+                <a16:creationId xmlns:a16="http://schemas.microsoft.com/office/drawing/2014/main" id="{D6F023DA-5079-4792-B988-B9494035E5AA}"/>
+              </a:ext>
+            </a:extLst>
+          </p:cNvPr>
           <p:cNvSpPr>
             <a:spLocks noGrp="1"/>
           </p:cNvSpPr>
@@ -1941,7 +2214,7 @@
         </p:nvSpPr>
         <p:spPr>
           <a:xfrm>
-            <a:off x="2915543" y="1316569"/>
+            <a:off x="2915543" y="1316567"/>
             <a:ext cx="3471863" cy="6498167"/>
           </a:xfrm>
         </p:spPr>
@@ -1949,38 +2222,38 @@
           <a:bodyPr/>
           <a:lstStyle>
             <a:lvl1pPr>
-              <a:defRPr sz="2400"/>
+              <a:defRPr sz="1800"/>
             </a:lvl1pPr>
             <a:lvl2pPr>
-              <a:defRPr sz="2100"/>
+              <a:defRPr sz="1575"/>
             </a:lvl2pPr>
             <a:lvl3pPr>
-              <a:defRPr sz="1800"/>
+              <a:defRPr sz="1350"/>
             </a:lvl3pPr>
             <a:lvl4pPr>
-              <a:defRPr sz="1500"/>
+              <a:defRPr sz="1125"/>
             </a:lvl4pPr>
             <a:lvl5pPr>
-              <a:defRPr sz="1500"/>
+              <a:defRPr sz="1125"/>
             </a:lvl5pPr>
             <a:lvl6pPr>
-              <a:defRPr sz="1500"/>
+              <a:defRPr sz="1125"/>
             </a:lvl6pPr>
             <a:lvl7pPr>
-              <a:defRPr sz="1500"/>
+              <a:defRPr sz="1125"/>
             </a:lvl7pPr>
             <a:lvl8pPr>
-              <a:defRPr sz="1500"/>
+              <a:defRPr sz="1125"/>
             </a:lvl8pPr>
             <a:lvl9pPr>
-              <a:defRPr sz="1500"/>
+              <a:defRPr sz="1125"/>
             </a:lvl9pPr>
           </a:lstStyle>
           <a:p>
             <a:pPr lvl="0"/>
             <a:r>
               <a:rPr lang="en-US"/>
-              <a:t>Edit Master text styles</a:t>
+              <a:t>Click to edit Master text styles</a:t>
             </a:r>
           </a:p>
           <a:p>
@@ -2010,13 +2283,18 @@
               <a:rPr lang="en-US"/>
               <a:t>Fifth level</a:t>
             </a:r>
-            <a:endParaRPr lang="en-US" dirty="0"/>
-          </a:p>
-        </p:txBody>
-      </p:sp>
-      <p:sp>
-        <p:nvSpPr>
-          <p:cNvPr id="4" name="Text Placeholder 3"/>
+          </a:p>
+        </p:txBody>
+      </p:sp>
+      <p:sp>
+        <p:nvSpPr>
+          <p:cNvPr id="4" name="Text Placeholder 3">
+            <a:extLst>
+              <a:ext uri="{FF2B5EF4-FFF2-40B4-BE49-F238E27FC236}">
+                <a16:creationId xmlns:a16="http://schemas.microsoft.com/office/drawing/2014/main" id="{3EFF5D47-D6C6-4727-A210-77CFF6D88317}"/>
+              </a:ext>
+            </a:extLst>
+          </p:cNvPr>
           <p:cNvSpPr>
             <a:spLocks noGrp="1"/>
           </p:cNvSpPr>
@@ -2027,7 +2305,7 @@
         <p:spPr>
           <a:xfrm>
             <a:off x="472381" y="2743200"/>
-            <a:ext cx="2211884" cy="5082117"/>
+            <a:ext cx="2211883" cy="5082117"/>
           </a:xfrm>
         </p:spPr>
         <p:txBody>
@@ -2035,53 +2313,59 @@
           <a:lstStyle>
             <a:lvl1pPr marL="0" indent="0">
               <a:buNone/>
-              <a:defRPr sz="1200"/>
+              <a:defRPr sz="900"/>
             </a:lvl1pPr>
-            <a:lvl2pPr marL="342900" indent="0">
-              <a:buNone/>
-              <a:defRPr sz="1050"/>
+            <a:lvl2pPr marL="257175" indent="0">
+              <a:buNone/>
+              <a:defRPr sz="788"/>
             </a:lvl2pPr>
-            <a:lvl3pPr marL="685800" indent="0">
-              <a:buNone/>
-              <a:defRPr sz="900"/>
+            <a:lvl3pPr marL="514350" indent="0">
+              <a:buNone/>
+              <a:defRPr sz="675"/>
             </a:lvl3pPr>
-            <a:lvl4pPr marL="1028700" indent="0">
-              <a:buNone/>
-              <a:defRPr sz="750"/>
+            <a:lvl4pPr marL="771525" indent="0">
+              <a:buNone/>
+              <a:defRPr sz="563"/>
             </a:lvl4pPr>
-            <a:lvl5pPr marL="1371600" indent="0">
-              <a:buNone/>
-              <a:defRPr sz="750"/>
+            <a:lvl5pPr marL="1028700" indent="0">
+              <a:buNone/>
+              <a:defRPr sz="563"/>
             </a:lvl5pPr>
-            <a:lvl6pPr marL="1714500" indent="0">
-              <a:buNone/>
-              <a:defRPr sz="750"/>
+            <a:lvl6pPr marL="1285875" indent="0">
+              <a:buNone/>
+              <a:defRPr sz="563"/>
             </a:lvl6pPr>
-            <a:lvl7pPr marL="2057400" indent="0">
-              <a:buNone/>
-              <a:defRPr sz="750"/>
+            <a:lvl7pPr marL="1543050" indent="0">
+              <a:buNone/>
+              <a:defRPr sz="563"/>
             </a:lvl7pPr>
-            <a:lvl8pPr marL="2400300" indent="0">
-              <a:buNone/>
-              <a:defRPr sz="750"/>
+            <a:lvl8pPr marL="1800225" indent="0">
+              <a:buNone/>
+              <a:defRPr sz="563"/>
             </a:lvl8pPr>
-            <a:lvl9pPr marL="2743200" indent="0">
-              <a:buNone/>
-              <a:defRPr sz="750"/>
+            <a:lvl9pPr marL="2057400" indent="0">
+              <a:buNone/>
+              <a:defRPr sz="563"/>
             </a:lvl9pPr>
           </a:lstStyle>
           <a:p>
             <a:pPr lvl="0"/>
             <a:r>
               <a:rPr lang="en-US"/>
-              <a:t>Edit Master text styles</a:t>
-            </a:r>
-          </a:p>
-        </p:txBody>
-      </p:sp>
-      <p:sp>
-        <p:nvSpPr>
-          <p:cNvPr id="5" name="Date Placeholder 4"/>
+              <a:t>Click to edit Master text styles</a:t>
+            </a:r>
+          </a:p>
+        </p:txBody>
+      </p:sp>
+      <p:sp>
+        <p:nvSpPr>
+          <p:cNvPr id="5" name="Date Placeholder 4">
+            <a:extLst>
+              <a:ext uri="{FF2B5EF4-FFF2-40B4-BE49-F238E27FC236}">
+                <a16:creationId xmlns:a16="http://schemas.microsoft.com/office/drawing/2014/main" id="{1AEBFF67-DACD-42F7-8618-0EA646610687}"/>
+              </a:ext>
+            </a:extLst>
+          </p:cNvPr>
           <p:cNvSpPr>
             <a:spLocks noGrp="1"/>
           </p:cNvSpPr>
@@ -2096,7 +2380,7 @@
           <a:p>
             <a:fld id="{97FCB51F-0F98-4CDE-A35C-0BB540E2F7A9}" type="datetimeFigureOut">
               <a:rPr lang="en-US" smtClean="0"/>
-              <a:t>11/25/2018</a:t>
+              <a:t>11/25/2019</a:t>
             </a:fld>
             <a:endParaRPr lang="en-US"/>
           </a:p>
@@ -2104,7 +2388,13 @@
       </p:sp>
       <p:sp>
         <p:nvSpPr>
-          <p:cNvPr id="6" name="Footer Placeholder 5"/>
+          <p:cNvPr id="6" name="Footer Placeholder 5">
+            <a:extLst>
+              <a:ext uri="{FF2B5EF4-FFF2-40B4-BE49-F238E27FC236}">
+                <a16:creationId xmlns:a16="http://schemas.microsoft.com/office/drawing/2014/main" id="{004931AD-9732-49C4-850C-CCFA6D542396}"/>
+              </a:ext>
+            </a:extLst>
+          </p:cNvPr>
           <p:cNvSpPr>
             <a:spLocks noGrp="1"/>
           </p:cNvSpPr>
@@ -2123,7 +2413,13 @@
       </p:sp>
       <p:sp>
         <p:nvSpPr>
-          <p:cNvPr id="7" name="Slide Number Placeholder 6"/>
+          <p:cNvPr id="7" name="Slide Number Placeholder 6">
+            <a:extLst>
+              <a:ext uri="{FF2B5EF4-FFF2-40B4-BE49-F238E27FC236}">
+                <a16:creationId xmlns:a16="http://schemas.microsoft.com/office/drawing/2014/main" id="{F3166819-52C5-4971-B2E8-56FC2F7E3C32}"/>
+              </a:ext>
+            </a:extLst>
+          </p:cNvPr>
           <p:cNvSpPr>
             <a:spLocks noGrp="1"/>
           </p:cNvSpPr>
@@ -2147,7 +2443,7 @@
     </p:spTree>
     <p:extLst>
       <p:ext uri="{BB962C8B-B14F-4D97-AF65-F5344CB8AC3E}">
-        <p14:creationId xmlns:p14="http://schemas.microsoft.com/office/powerpoint/2010/main" val="4006711126"/>
+        <p14:creationId xmlns:p14="http://schemas.microsoft.com/office/powerpoint/2010/main" val="3885693579"/>
       </p:ext>
     </p:extLst>
   </p:cSld>
@@ -2176,7 +2472,13 @@
       </p:grpSpPr>
       <p:sp>
         <p:nvSpPr>
-          <p:cNvPr id="2" name="Title 1"/>
+          <p:cNvPr id="2" name="Title 1">
+            <a:extLst>
+              <a:ext uri="{FF2B5EF4-FFF2-40B4-BE49-F238E27FC236}">
+                <a16:creationId xmlns:a16="http://schemas.microsoft.com/office/drawing/2014/main" id="{7AF783B2-227F-4F90-9D2F-7340396FDAC2}"/>
+              </a:ext>
+            </a:extLst>
+          </p:cNvPr>
           <p:cNvSpPr>
             <a:spLocks noGrp="1"/>
           </p:cNvSpPr>
@@ -2187,14 +2489,14 @@
         <p:spPr>
           <a:xfrm>
             <a:off x="472381" y="609600"/>
-            <a:ext cx="2211884" cy="2133600"/>
+            <a:ext cx="2211883" cy="2133600"/>
           </a:xfrm>
         </p:spPr>
         <p:txBody>
           <a:bodyPr anchor="b"/>
           <a:lstStyle>
             <a:lvl1pPr>
-              <a:defRPr sz="2400"/>
+              <a:defRPr sz="1800"/>
             </a:lvl1pPr>
           </a:lstStyle>
           <a:p>
@@ -2202,15 +2504,20 @@
               <a:rPr lang="en-US"/>
               <a:t>Click to edit Master title style</a:t>
             </a:r>
-            <a:endParaRPr lang="en-US" dirty="0"/>
-          </a:p>
-        </p:txBody>
-      </p:sp>
-      <p:sp>
-        <p:nvSpPr>
-          <p:cNvPr id="3" name="Picture Placeholder 2"/>
-          <p:cNvSpPr>
-            <a:spLocks noGrp="1" noChangeAspect="1"/>
+          </a:p>
+        </p:txBody>
+      </p:sp>
+      <p:sp>
+        <p:nvSpPr>
+          <p:cNvPr id="3" name="Picture Placeholder 2">
+            <a:extLst>
+              <a:ext uri="{FF2B5EF4-FFF2-40B4-BE49-F238E27FC236}">
+                <a16:creationId xmlns:a16="http://schemas.microsoft.com/office/drawing/2014/main" id="{AD001C22-4622-40E1-9B8D-4219BB836761}"/>
+              </a:ext>
+            </a:extLst>
+          </p:cNvPr>
+          <p:cNvSpPr>
+            <a:spLocks noGrp="1"/>
           </p:cNvSpPr>
           <p:nvPr>
             <p:ph type="pic" idx="1"/>
@@ -2218,62 +2525,64 @@
         </p:nvSpPr>
         <p:spPr>
           <a:xfrm>
-            <a:off x="2915543" y="1316569"/>
+            <a:off x="2915543" y="1316567"/>
             <a:ext cx="3471863" cy="6498167"/>
           </a:xfrm>
         </p:spPr>
         <p:txBody>
-          <a:bodyPr anchor="t"/>
+          <a:bodyPr/>
           <a:lstStyle>
             <a:lvl1pPr marL="0" indent="0">
               <a:buNone/>
-              <a:defRPr sz="2400"/>
+              <a:defRPr sz="1800"/>
             </a:lvl1pPr>
-            <a:lvl2pPr marL="342900" indent="0">
-              <a:buNone/>
-              <a:defRPr sz="2100"/>
+            <a:lvl2pPr marL="257175" indent="0">
+              <a:buNone/>
+              <a:defRPr sz="1575"/>
             </a:lvl2pPr>
-            <a:lvl3pPr marL="685800" indent="0">
-              <a:buNone/>
-              <a:defRPr sz="1800"/>
+            <a:lvl3pPr marL="514350" indent="0">
+              <a:buNone/>
+              <a:defRPr sz="1350"/>
             </a:lvl3pPr>
-            <a:lvl4pPr marL="1028700" indent="0">
-              <a:buNone/>
-              <a:defRPr sz="1500"/>
+            <a:lvl4pPr marL="771525" indent="0">
+              <a:buNone/>
+              <a:defRPr sz="1125"/>
             </a:lvl4pPr>
-            <a:lvl5pPr marL="1371600" indent="0">
-              <a:buNone/>
-              <a:defRPr sz="1500"/>
+            <a:lvl5pPr marL="1028700" indent="0">
+              <a:buNone/>
+              <a:defRPr sz="1125"/>
             </a:lvl5pPr>
-            <a:lvl6pPr marL="1714500" indent="0">
-              <a:buNone/>
-              <a:defRPr sz="1500"/>
+            <a:lvl6pPr marL="1285875" indent="0">
+              <a:buNone/>
+              <a:defRPr sz="1125"/>
             </a:lvl6pPr>
-            <a:lvl7pPr marL="2057400" indent="0">
-              <a:buNone/>
-              <a:defRPr sz="1500"/>
+            <a:lvl7pPr marL="1543050" indent="0">
+              <a:buNone/>
+              <a:defRPr sz="1125"/>
             </a:lvl7pPr>
-            <a:lvl8pPr marL="2400300" indent="0">
-              <a:buNone/>
-              <a:defRPr sz="1500"/>
+            <a:lvl8pPr marL="1800225" indent="0">
+              <a:buNone/>
+              <a:defRPr sz="1125"/>
             </a:lvl8pPr>
-            <a:lvl9pPr marL="2743200" indent="0">
-              <a:buNone/>
-              <a:defRPr sz="1500"/>
+            <a:lvl9pPr marL="2057400" indent="0">
+              <a:buNone/>
+              <a:defRPr sz="1125"/>
             </a:lvl9pPr>
           </a:lstStyle>
           <a:p>
-            <a:r>
-              <a:rPr lang="en-US"/>
-              <a:t>Click icon to add picture</a:t>
-            </a:r>
-            <a:endParaRPr lang="en-US" dirty="0"/>
-          </a:p>
-        </p:txBody>
-      </p:sp>
-      <p:sp>
-        <p:nvSpPr>
-          <p:cNvPr id="4" name="Text Placeholder 3"/>
+            <a:endParaRPr lang="en-US"/>
+          </a:p>
+        </p:txBody>
+      </p:sp>
+      <p:sp>
+        <p:nvSpPr>
+          <p:cNvPr id="4" name="Text Placeholder 3">
+            <a:extLst>
+              <a:ext uri="{FF2B5EF4-FFF2-40B4-BE49-F238E27FC236}">
+                <a16:creationId xmlns:a16="http://schemas.microsoft.com/office/drawing/2014/main" id="{590C1CED-09C8-47DC-AF29-FD5401E47911}"/>
+              </a:ext>
+            </a:extLst>
+          </p:cNvPr>
           <p:cNvSpPr>
             <a:spLocks noGrp="1"/>
           </p:cNvSpPr>
@@ -2284,7 +2593,7 @@
         <p:spPr>
           <a:xfrm>
             <a:off x="472381" y="2743200"/>
-            <a:ext cx="2211884" cy="5082117"/>
+            <a:ext cx="2211883" cy="5082117"/>
           </a:xfrm>
         </p:spPr>
         <p:txBody>
@@ -2292,53 +2601,59 @@
           <a:lstStyle>
             <a:lvl1pPr marL="0" indent="0">
               <a:buNone/>
-              <a:defRPr sz="1200"/>
+              <a:defRPr sz="900"/>
             </a:lvl1pPr>
-            <a:lvl2pPr marL="342900" indent="0">
-              <a:buNone/>
-              <a:defRPr sz="1050"/>
+            <a:lvl2pPr marL="257175" indent="0">
+              <a:buNone/>
+              <a:defRPr sz="788"/>
             </a:lvl2pPr>
-            <a:lvl3pPr marL="685800" indent="0">
-              <a:buNone/>
-              <a:defRPr sz="900"/>
+            <a:lvl3pPr marL="514350" indent="0">
+              <a:buNone/>
+              <a:defRPr sz="675"/>
             </a:lvl3pPr>
-            <a:lvl4pPr marL="1028700" indent="0">
-              <a:buNone/>
-              <a:defRPr sz="750"/>
+            <a:lvl4pPr marL="771525" indent="0">
+              <a:buNone/>
+              <a:defRPr sz="563"/>
             </a:lvl4pPr>
-            <a:lvl5pPr marL="1371600" indent="0">
-              <a:buNone/>
-              <a:defRPr sz="750"/>
+            <a:lvl5pPr marL="1028700" indent="0">
+              <a:buNone/>
+              <a:defRPr sz="563"/>
             </a:lvl5pPr>
-            <a:lvl6pPr marL="1714500" indent="0">
-              <a:buNone/>
-              <a:defRPr sz="750"/>
+            <a:lvl6pPr marL="1285875" indent="0">
+              <a:buNone/>
+              <a:defRPr sz="563"/>
             </a:lvl6pPr>
-            <a:lvl7pPr marL="2057400" indent="0">
-              <a:buNone/>
-              <a:defRPr sz="750"/>
+            <a:lvl7pPr marL="1543050" indent="0">
+              <a:buNone/>
+              <a:defRPr sz="563"/>
             </a:lvl7pPr>
-            <a:lvl8pPr marL="2400300" indent="0">
-              <a:buNone/>
-              <a:defRPr sz="750"/>
+            <a:lvl8pPr marL="1800225" indent="0">
+              <a:buNone/>
+              <a:defRPr sz="563"/>
             </a:lvl8pPr>
-            <a:lvl9pPr marL="2743200" indent="0">
-              <a:buNone/>
-              <a:defRPr sz="750"/>
+            <a:lvl9pPr marL="2057400" indent="0">
+              <a:buNone/>
+              <a:defRPr sz="563"/>
             </a:lvl9pPr>
           </a:lstStyle>
           <a:p>
             <a:pPr lvl="0"/>
             <a:r>
               <a:rPr lang="en-US"/>
-              <a:t>Edit Master text styles</a:t>
-            </a:r>
-          </a:p>
-        </p:txBody>
-      </p:sp>
-      <p:sp>
-        <p:nvSpPr>
-          <p:cNvPr id="5" name="Date Placeholder 4"/>
+              <a:t>Click to edit Master text styles</a:t>
+            </a:r>
+          </a:p>
+        </p:txBody>
+      </p:sp>
+      <p:sp>
+        <p:nvSpPr>
+          <p:cNvPr id="5" name="Date Placeholder 4">
+            <a:extLst>
+              <a:ext uri="{FF2B5EF4-FFF2-40B4-BE49-F238E27FC236}">
+                <a16:creationId xmlns:a16="http://schemas.microsoft.com/office/drawing/2014/main" id="{C0CDE6AD-FDEE-46ED-9A5C-7497392DEF20}"/>
+              </a:ext>
+            </a:extLst>
+          </p:cNvPr>
           <p:cNvSpPr>
             <a:spLocks noGrp="1"/>
           </p:cNvSpPr>
@@ -2353,7 +2668,7 @@
           <a:p>
             <a:fld id="{97FCB51F-0F98-4CDE-A35C-0BB540E2F7A9}" type="datetimeFigureOut">
               <a:rPr lang="en-US" smtClean="0"/>
-              <a:t>11/25/2018</a:t>
+              <a:t>11/25/2019</a:t>
             </a:fld>
             <a:endParaRPr lang="en-US"/>
           </a:p>
@@ -2361,7 +2676,13 @@
       </p:sp>
       <p:sp>
         <p:nvSpPr>
-          <p:cNvPr id="6" name="Footer Placeholder 5"/>
+          <p:cNvPr id="6" name="Footer Placeholder 5">
+            <a:extLst>
+              <a:ext uri="{FF2B5EF4-FFF2-40B4-BE49-F238E27FC236}">
+                <a16:creationId xmlns:a16="http://schemas.microsoft.com/office/drawing/2014/main" id="{965E0391-1D05-438C-ADD1-7561F892C7B2}"/>
+              </a:ext>
+            </a:extLst>
+          </p:cNvPr>
           <p:cNvSpPr>
             <a:spLocks noGrp="1"/>
           </p:cNvSpPr>
@@ -2380,7 +2701,13 @@
       </p:sp>
       <p:sp>
         <p:nvSpPr>
-          <p:cNvPr id="7" name="Slide Number Placeholder 6"/>
+          <p:cNvPr id="7" name="Slide Number Placeholder 6">
+            <a:extLst>
+              <a:ext uri="{FF2B5EF4-FFF2-40B4-BE49-F238E27FC236}">
+                <a16:creationId xmlns:a16="http://schemas.microsoft.com/office/drawing/2014/main" id="{50235640-3792-4C18-B8DE-2A7A65ABEFD9}"/>
+              </a:ext>
+            </a:extLst>
+          </p:cNvPr>
           <p:cNvSpPr>
             <a:spLocks noGrp="1"/>
           </p:cNvSpPr>
@@ -2404,7 +2731,7 @@
     </p:spTree>
     <p:extLst>
       <p:ext uri="{BB962C8B-B14F-4D97-AF65-F5344CB8AC3E}">
-        <p14:creationId xmlns:p14="http://schemas.microsoft.com/office/powerpoint/2010/main" val="2118991420"/>
+        <p14:creationId xmlns:p14="http://schemas.microsoft.com/office/powerpoint/2010/main" val="2417153220"/>
       </p:ext>
     </p:extLst>
   </p:cSld>
@@ -2438,7 +2765,13 @@
       </p:grpSpPr>
       <p:sp>
         <p:nvSpPr>
-          <p:cNvPr id="2" name="Title Placeholder 1"/>
+          <p:cNvPr id="2" name="Title Placeholder 1">
+            <a:extLst>
+              <a:ext uri="{FF2B5EF4-FFF2-40B4-BE49-F238E27FC236}">
+                <a16:creationId xmlns:a16="http://schemas.microsoft.com/office/drawing/2014/main" id="{AAA721DD-285B-434E-A64A-68FD7A41D184}"/>
+              </a:ext>
+            </a:extLst>
+          </p:cNvPr>
           <p:cNvSpPr>
             <a:spLocks noGrp="1"/>
           </p:cNvSpPr>
@@ -2448,7 +2781,7 @@
         </p:nvSpPr>
         <p:spPr>
           <a:xfrm>
-            <a:off x="471488" y="486836"/>
+            <a:off x="471488" y="486834"/>
             <a:ext cx="5915025" cy="1767417"/>
           </a:xfrm>
           <a:prstGeom prst="rect">
@@ -2465,13 +2798,18 @@
               <a:rPr lang="en-US"/>
               <a:t>Click to edit Master title style</a:t>
             </a:r>
-            <a:endParaRPr lang="en-US" dirty="0"/>
-          </a:p>
-        </p:txBody>
-      </p:sp>
-      <p:sp>
-        <p:nvSpPr>
-          <p:cNvPr id="3" name="Text Placeholder 2"/>
+          </a:p>
+        </p:txBody>
+      </p:sp>
+      <p:sp>
+        <p:nvSpPr>
+          <p:cNvPr id="3" name="Text Placeholder 2">
+            <a:extLst>
+              <a:ext uri="{FF2B5EF4-FFF2-40B4-BE49-F238E27FC236}">
+                <a16:creationId xmlns:a16="http://schemas.microsoft.com/office/drawing/2014/main" id="{22A493FF-E4FF-4903-86F1-3E95C4A8E4B4}"/>
+              </a:ext>
+            </a:extLst>
+          </p:cNvPr>
           <p:cNvSpPr>
             <a:spLocks noGrp="1"/>
           </p:cNvSpPr>
@@ -2497,7 +2835,7 @@
             <a:pPr lvl="0"/>
             <a:r>
               <a:rPr lang="en-US"/>
-              <a:t>Edit Master text styles</a:t>
+              <a:t>Click to edit Master text styles</a:t>
             </a:r>
           </a:p>
           <a:p>
@@ -2527,13 +2865,18 @@
               <a:rPr lang="en-US"/>
               <a:t>Fifth level</a:t>
             </a:r>
-            <a:endParaRPr lang="en-US" dirty="0"/>
-          </a:p>
-        </p:txBody>
-      </p:sp>
-      <p:sp>
-        <p:nvSpPr>
-          <p:cNvPr id="4" name="Date Placeholder 3"/>
+          </a:p>
+        </p:txBody>
+      </p:sp>
+      <p:sp>
+        <p:nvSpPr>
+          <p:cNvPr id="4" name="Date Placeholder 3">
+            <a:extLst>
+              <a:ext uri="{FF2B5EF4-FFF2-40B4-BE49-F238E27FC236}">
+                <a16:creationId xmlns:a16="http://schemas.microsoft.com/office/drawing/2014/main" id="{F11C4888-294F-453C-88E5-51D9C398E8F2}"/>
+              </a:ext>
+            </a:extLst>
+          </p:cNvPr>
           <p:cNvSpPr>
             <a:spLocks noGrp="1"/>
           </p:cNvSpPr>
@@ -2543,7 +2886,7 @@
         </p:nvSpPr>
         <p:spPr>
           <a:xfrm>
-            <a:off x="471488" y="8475136"/>
+            <a:off x="471488" y="8475134"/>
             <a:ext cx="1543050" cy="486833"/>
           </a:xfrm>
           <a:prstGeom prst="rect">
@@ -2554,7 +2897,7 @@
           <a:bodyPr vert="horz" lIns="91440" tIns="45720" rIns="91440" bIns="45720" rtlCol="0" anchor="ctr"/>
           <a:lstStyle>
             <a:lvl1pPr algn="l">
-              <a:defRPr sz="900">
+              <a:defRPr sz="675">
                 <a:solidFill>
                   <a:schemeClr val="tx1">
                     <a:tint val="75000"/>
@@ -2566,7 +2909,7 @@
           <a:p>
             <a:fld id="{97FCB51F-0F98-4CDE-A35C-0BB540E2F7A9}" type="datetimeFigureOut">
               <a:rPr lang="en-US" smtClean="0"/>
-              <a:t>11/25/2018</a:t>
+              <a:t>11/25/2019</a:t>
             </a:fld>
             <a:endParaRPr lang="en-US"/>
           </a:p>
@@ -2574,7 +2917,13 @@
       </p:sp>
       <p:sp>
         <p:nvSpPr>
-          <p:cNvPr id="5" name="Footer Placeholder 4"/>
+          <p:cNvPr id="5" name="Footer Placeholder 4">
+            <a:extLst>
+              <a:ext uri="{FF2B5EF4-FFF2-40B4-BE49-F238E27FC236}">
+                <a16:creationId xmlns:a16="http://schemas.microsoft.com/office/drawing/2014/main" id="{6D6DF5FE-FDC0-4EE3-AFF9-60439836D1BE}"/>
+              </a:ext>
+            </a:extLst>
+          </p:cNvPr>
           <p:cNvSpPr>
             <a:spLocks noGrp="1"/>
           </p:cNvSpPr>
@@ -2584,7 +2933,7 @@
         </p:nvSpPr>
         <p:spPr>
           <a:xfrm>
-            <a:off x="2271713" y="8475136"/>
+            <a:off x="2271713" y="8475134"/>
             <a:ext cx="2314575" cy="486833"/>
           </a:xfrm>
           <a:prstGeom prst="rect">
@@ -2595,7 +2944,7 @@
           <a:bodyPr vert="horz" lIns="91440" tIns="45720" rIns="91440" bIns="45720" rtlCol="0" anchor="ctr"/>
           <a:lstStyle>
             <a:lvl1pPr algn="ctr">
-              <a:defRPr sz="900">
+              <a:defRPr sz="675">
                 <a:solidFill>
                   <a:schemeClr val="tx1">
                     <a:tint val="75000"/>
@@ -2611,7 +2960,13 @@
       </p:sp>
       <p:sp>
         <p:nvSpPr>
-          <p:cNvPr id="6" name="Slide Number Placeholder 5"/>
+          <p:cNvPr id="6" name="Slide Number Placeholder 5">
+            <a:extLst>
+              <a:ext uri="{FF2B5EF4-FFF2-40B4-BE49-F238E27FC236}">
+                <a16:creationId xmlns:a16="http://schemas.microsoft.com/office/drawing/2014/main" id="{DEA280D3-6F26-486A-BFD3-BDF698189E45}"/>
+              </a:ext>
+            </a:extLst>
+          </p:cNvPr>
           <p:cNvSpPr>
             <a:spLocks noGrp="1"/>
           </p:cNvSpPr>
@@ -2621,7 +2976,7 @@
         </p:nvSpPr>
         <p:spPr>
           <a:xfrm>
-            <a:off x="4843463" y="8475136"/>
+            <a:off x="4843463" y="8475134"/>
             <a:ext cx="1543050" cy="486833"/>
           </a:xfrm>
           <a:prstGeom prst="rect">
@@ -2632,7 +2987,7 @@
           <a:bodyPr vert="horz" lIns="91440" tIns="45720" rIns="91440" bIns="45720" rtlCol="0" anchor="ctr"/>
           <a:lstStyle>
             <a:lvl1pPr algn="r">
-              <a:defRPr sz="900">
+              <a:defRPr sz="675">
                 <a:solidFill>
                   <a:schemeClr val="tx1">
                     <a:tint val="75000"/>
@@ -2653,27 +3008,27 @@
     </p:spTree>
     <p:extLst>
       <p:ext uri="{BB962C8B-B14F-4D97-AF65-F5344CB8AC3E}">
-        <p14:creationId xmlns:p14="http://schemas.microsoft.com/office/powerpoint/2010/main" val="1614405788"/>
+        <p14:creationId xmlns:p14="http://schemas.microsoft.com/office/powerpoint/2010/main" val="310596433"/>
       </p:ext>
     </p:extLst>
   </p:cSld>
   <p:clrMap bg1="lt1" tx1="dk1" bg2="lt2" tx2="dk2" accent1="accent1" accent2="accent2" accent3="accent3" accent4="accent4" accent5="accent5" accent6="accent6" hlink="hlink" folHlink="folHlink"/>
   <p:sldLayoutIdLst>
-    <p:sldLayoutId id="2147483673" r:id="rId1"/>
-    <p:sldLayoutId id="2147483674" r:id="rId2"/>
-    <p:sldLayoutId id="2147483675" r:id="rId3"/>
-    <p:sldLayoutId id="2147483676" r:id="rId4"/>
-    <p:sldLayoutId id="2147483677" r:id="rId5"/>
-    <p:sldLayoutId id="2147483678" r:id="rId6"/>
-    <p:sldLayoutId id="2147483679" r:id="rId7"/>
-    <p:sldLayoutId id="2147483680" r:id="rId8"/>
-    <p:sldLayoutId id="2147483681" r:id="rId9"/>
-    <p:sldLayoutId id="2147483682" r:id="rId10"/>
-    <p:sldLayoutId id="2147483683" r:id="rId11"/>
+    <p:sldLayoutId id="2147483702" r:id="rId1"/>
+    <p:sldLayoutId id="2147483703" r:id="rId2"/>
+    <p:sldLayoutId id="2147483704" r:id="rId3"/>
+    <p:sldLayoutId id="2147483705" r:id="rId4"/>
+    <p:sldLayoutId id="2147483706" r:id="rId5"/>
+    <p:sldLayoutId id="2147483707" r:id="rId6"/>
+    <p:sldLayoutId id="2147483708" r:id="rId7"/>
+    <p:sldLayoutId id="2147483709" r:id="rId8"/>
+    <p:sldLayoutId id="2147483710" r:id="rId9"/>
+    <p:sldLayoutId id="2147483711" r:id="rId10"/>
+    <p:sldLayoutId id="2147483712" r:id="rId11"/>
   </p:sldLayoutIdLst>
   <p:txStyles>
     <p:titleStyle>
-      <a:lvl1pPr algn="l" defTabSz="685800" rtl="0" eaLnBrk="1" latinLnBrk="0" hangingPunct="1">
+      <a:lvl1pPr algn="l" defTabSz="514350" rtl="0" eaLnBrk="1" latinLnBrk="0" hangingPunct="1">
         <a:lnSpc>
           <a:spcPct val="90000"/>
         </a:lnSpc>
@@ -2681,7 +3036,7 @@
           <a:spcPct val="0"/>
         </a:spcBef>
         <a:buNone/>
-        <a:defRPr sz="3300" kern="1200">
+        <a:defRPr sz="2475" kern="1200">
           <a:solidFill>
             <a:schemeClr val="tx1"/>
           </a:solidFill>
@@ -2692,16 +3047,16 @@
       </a:lvl1pPr>
     </p:titleStyle>
     <p:bodyStyle>
-      <a:lvl1pPr marL="171450" indent="-171450" algn="l" defTabSz="685800" rtl="0" eaLnBrk="1" latinLnBrk="0" hangingPunct="1">
+      <a:lvl1pPr marL="128588" indent="-128588" algn="l" defTabSz="514350" rtl="0" eaLnBrk="1" latinLnBrk="0" hangingPunct="1">
         <a:lnSpc>
           <a:spcPct val="90000"/>
         </a:lnSpc>
         <a:spcBef>
-          <a:spcPts val="750"/>
+          <a:spcPts val="563"/>
         </a:spcBef>
         <a:buFont typeface="Arial" panose="020B0604020202020204" pitchFamily="34" charset="0"/>
         <a:buChar char="•"/>
-        <a:defRPr sz="2100" kern="1200">
+        <a:defRPr sz="1575" kern="1200">
           <a:solidFill>
             <a:schemeClr val="tx1"/>
           </a:solidFill>
@@ -2710,48 +3065,12 @@
           <a:cs typeface="+mn-cs"/>
         </a:defRPr>
       </a:lvl1pPr>
-      <a:lvl2pPr marL="514350" indent="-171450" algn="l" defTabSz="685800" rtl="0" eaLnBrk="1" latinLnBrk="0" hangingPunct="1">
+      <a:lvl2pPr marL="385763" indent="-128588" algn="l" defTabSz="514350" rtl="0" eaLnBrk="1" latinLnBrk="0" hangingPunct="1">
         <a:lnSpc>
           <a:spcPct val="90000"/>
         </a:lnSpc>
         <a:spcBef>
-          <a:spcPts val="375"/>
-        </a:spcBef>
-        <a:buFont typeface="Arial" panose="020B0604020202020204" pitchFamily="34" charset="0"/>
-        <a:buChar char="•"/>
-        <a:defRPr sz="1800" kern="1200">
-          <a:solidFill>
-            <a:schemeClr val="tx1"/>
-          </a:solidFill>
-          <a:latin typeface="+mn-lt"/>
-          <a:ea typeface="+mn-ea"/>
-          <a:cs typeface="+mn-cs"/>
-        </a:defRPr>
-      </a:lvl2pPr>
-      <a:lvl3pPr marL="857250" indent="-171450" algn="l" defTabSz="685800" rtl="0" eaLnBrk="1" latinLnBrk="0" hangingPunct="1">
-        <a:lnSpc>
-          <a:spcPct val="90000"/>
-        </a:lnSpc>
-        <a:spcBef>
-          <a:spcPts val="375"/>
-        </a:spcBef>
-        <a:buFont typeface="Arial" panose="020B0604020202020204" pitchFamily="34" charset="0"/>
-        <a:buChar char="•"/>
-        <a:defRPr sz="1500" kern="1200">
-          <a:solidFill>
-            <a:schemeClr val="tx1"/>
-          </a:solidFill>
-          <a:latin typeface="+mn-lt"/>
-          <a:ea typeface="+mn-ea"/>
-          <a:cs typeface="+mn-cs"/>
-        </a:defRPr>
-      </a:lvl3pPr>
-      <a:lvl4pPr marL="1200150" indent="-171450" algn="l" defTabSz="685800" rtl="0" eaLnBrk="1" latinLnBrk="0" hangingPunct="1">
-        <a:lnSpc>
-          <a:spcPct val="90000"/>
-        </a:lnSpc>
-        <a:spcBef>
-          <a:spcPts val="375"/>
+          <a:spcPts val="281"/>
         </a:spcBef>
         <a:buFont typeface="Arial" panose="020B0604020202020204" pitchFamily="34" charset="0"/>
         <a:buChar char="•"/>
@@ -2763,17 +3082,53 @@
           <a:ea typeface="+mn-ea"/>
           <a:cs typeface="+mn-cs"/>
         </a:defRPr>
-      </a:lvl4pPr>
-      <a:lvl5pPr marL="1543050" indent="-171450" algn="l" defTabSz="685800" rtl="0" eaLnBrk="1" latinLnBrk="0" hangingPunct="1">
+      </a:lvl2pPr>
+      <a:lvl3pPr marL="642938" indent="-128588" algn="l" defTabSz="514350" rtl="0" eaLnBrk="1" latinLnBrk="0" hangingPunct="1">
         <a:lnSpc>
           <a:spcPct val="90000"/>
         </a:lnSpc>
         <a:spcBef>
-          <a:spcPts val="375"/>
+          <a:spcPts val="281"/>
         </a:spcBef>
         <a:buFont typeface="Arial" panose="020B0604020202020204" pitchFamily="34" charset="0"/>
         <a:buChar char="•"/>
-        <a:defRPr sz="1350" kern="1200">
+        <a:defRPr sz="1125" kern="1200">
+          <a:solidFill>
+            <a:schemeClr val="tx1"/>
+          </a:solidFill>
+          <a:latin typeface="+mn-lt"/>
+          <a:ea typeface="+mn-ea"/>
+          <a:cs typeface="+mn-cs"/>
+        </a:defRPr>
+      </a:lvl3pPr>
+      <a:lvl4pPr marL="900113" indent="-128588" algn="l" defTabSz="514350" rtl="0" eaLnBrk="1" latinLnBrk="0" hangingPunct="1">
+        <a:lnSpc>
+          <a:spcPct val="90000"/>
+        </a:lnSpc>
+        <a:spcBef>
+          <a:spcPts val="281"/>
+        </a:spcBef>
+        <a:buFont typeface="Arial" panose="020B0604020202020204" pitchFamily="34" charset="0"/>
+        <a:buChar char="•"/>
+        <a:defRPr sz="1013" kern="1200">
+          <a:solidFill>
+            <a:schemeClr val="tx1"/>
+          </a:solidFill>
+          <a:latin typeface="+mn-lt"/>
+          <a:ea typeface="+mn-ea"/>
+          <a:cs typeface="+mn-cs"/>
+        </a:defRPr>
+      </a:lvl4pPr>
+      <a:lvl5pPr marL="1157288" indent="-128588" algn="l" defTabSz="514350" rtl="0" eaLnBrk="1" latinLnBrk="0" hangingPunct="1">
+        <a:lnSpc>
+          <a:spcPct val="90000"/>
+        </a:lnSpc>
+        <a:spcBef>
+          <a:spcPts val="281"/>
+        </a:spcBef>
+        <a:buFont typeface="Arial" panose="020B0604020202020204" pitchFamily="34" charset="0"/>
+        <a:buChar char="•"/>
+        <a:defRPr sz="1013" kern="1200">
           <a:solidFill>
             <a:schemeClr val="tx1"/>
           </a:solidFill>
@@ -2782,16 +3137,16 @@
           <a:cs typeface="+mn-cs"/>
         </a:defRPr>
       </a:lvl5pPr>
-      <a:lvl6pPr marL="1885950" indent="-171450" algn="l" defTabSz="685800" rtl="0" eaLnBrk="1" latinLnBrk="0" hangingPunct="1">
+      <a:lvl6pPr marL="1414463" indent="-128588" algn="l" defTabSz="514350" rtl="0" eaLnBrk="1" latinLnBrk="0" hangingPunct="1">
         <a:lnSpc>
           <a:spcPct val="90000"/>
         </a:lnSpc>
         <a:spcBef>
-          <a:spcPts val="375"/>
+          <a:spcPts val="281"/>
         </a:spcBef>
         <a:buFont typeface="Arial" panose="020B0604020202020204" pitchFamily="34" charset="0"/>
         <a:buChar char="•"/>
-        <a:defRPr sz="1350" kern="1200">
+        <a:defRPr sz="1013" kern="1200">
           <a:solidFill>
             <a:schemeClr val="tx1"/>
           </a:solidFill>
@@ -2800,16 +3155,16 @@
           <a:cs typeface="+mn-cs"/>
         </a:defRPr>
       </a:lvl6pPr>
-      <a:lvl7pPr marL="2228850" indent="-171450" algn="l" defTabSz="685800" rtl="0" eaLnBrk="1" latinLnBrk="0" hangingPunct="1">
+      <a:lvl7pPr marL="1671638" indent="-128588" algn="l" defTabSz="514350" rtl="0" eaLnBrk="1" latinLnBrk="0" hangingPunct="1">
         <a:lnSpc>
           <a:spcPct val="90000"/>
         </a:lnSpc>
         <a:spcBef>
-          <a:spcPts val="375"/>
+          <a:spcPts val="281"/>
         </a:spcBef>
         <a:buFont typeface="Arial" panose="020B0604020202020204" pitchFamily="34" charset="0"/>
         <a:buChar char="•"/>
-        <a:defRPr sz="1350" kern="1200">
+        <a:defRPr sz="1013" kern="1200">
           <a:solidFill>
             <a:schemeClr val="tx1"/>
           </a:solidFill>
@@ -2818,16 +3173,16 @@
           <a:cs typeface="+mn-cs"/>
         </a:defRPr>
       </a:lvl7pPr>
-      <a:lvl8pPr marL="2571750" indent="-171450" algn="l" defTabSz="685800" rtl="0" eaLnBrk="1" latinLnBrk="0" hangingPunct="1">
+      <a:lvl8pPr marL="1928813" indent="-128588" algn="l" defTabSz="514350" rtl="0" eaLnBrk="1" latinLnBrk="0" hangingPunct="1">
         <a:lnSpc>
           <a:spcPct val="90000"/>
         </a:lnSpc>
         <a:spcBef>
-          <a:spcPts val="375"/>
+          <a:spcPts val="281"/>
         </a:spcBef>
         <a:buFont typeface="Arial" panose="020B0604020202020204" pitchFamily="34" charset="0"/>
         <a:buChar char="•"/>
-        <a:defRPr sz="1350" kern="1200">
+        <a:defRPr sz="1013" kern="1200">
           <a:solidFill>
             <a:schemeClr val="tx1"/>
           </a:solidFill>
@@ -2836,16 +3191,16 @@
           <a:cs typeface="+mn-cs"/>
         </a:defRPr>
       </a:lvl8pPr>
-      <a:lvl9pPr marL="2914650" indent="-171450" algn="l" defTabSz="685800" rtl="0" eaLnBrk="1" latinLnBrk="0" hangingPunct="1">
+      <a:lvl9pPr marL="2185988" indent="-128588" algn="l" defTabSz="514350" rtl="0" eaLnBrk="1" latinLnBrk="0" hangingPunct="1">
         <a:lnSpc>
           <a:spcPct val="90000"/>
         </a:lnSpc>
         <a:spcBef>
-          <a:spcPts val="375"/>
+          <a:spcPts val="281"/>
         </a:spcBef>
         <a:buFont typeface="Arial" panose="020B0604020202020204" pitchFamily="34" charset="0"/>
         <a:buChar char="•"/>
-        <a:defRPr sz="1350" kern="1200">
+        <a:defRPr sz="1013" kern="1200">
           <a:solidFill>
             <a:schemeClr val="tx1"/>
           </a:solidFill>
@@ -2859,8 +3214,8 @@
       <a:defPPr>
         <a:defRPr lang="en-US"/>
       </a:defPPr>
-      <a:lvl1pPr marL="0" algn="l" defTabSz="685800" rtl="0" eaLnBrk="1" latinLnBrk="0" hangingPunct="1">
-        <a:defRPr sz="1350" kern="1200">
+      <a:lvl1pPr marL="0" algn="l" defTabSz="514350" rtl="0" eaLnBrk="1" latinLnBrk="0" hangingPunct="1">
+        <a:defRPr sz="1013" kern="1200">
           <a:solidFill>
             <a:schemeClr val="tx1"/>
           </a:solidFill>
@@ -2869,8 +3224,8 @@
           <a:cs typeface="+mn-cs"/>
         </a:defRPr>
       </a:lvl1pPr>
-      <a:lvl2pPr marL="342900" algn="l" defTabSz="685800" rtl="0" eaLnBrk="1" latinLnBrk="0" hangingPunct="1">
-        <a:defRPr sz="1350" kern="1200">
+      <a:lvl2pPr marL="257175" algn="l" defTabSz="514350" rtl="0" eaLnBrk="1" latinLnBrk="0" hangingPunct="1">
+        <a:defRPr sz="1013" kern="1200">
           <a:solidFill>
             <a:schemeClr val="tx1"/>
           </a:solidFill>
@@ -2879,8 +3234,8 @@
           <a:cs typeface="+mn-cs"/>
         </a:defRPr>
       </a:lvl2pPr>
-      <a:lvl3pPr marL="685800" algn="l" defTabSz="685800" rtl="0" eaLnBrk="1" latinLnBrk="0" hangingPunct="1">
-        <a:defRPr sz="1350" kern="1200">
+      <a:lvl3pPr marL="514350" algn="l" defTabSz="514350" rtl="0" eaLnBrk="1" latinLnBrk="0" hangingPunct="1">
+        <a:defRPr sz="1013" kern="1200">
           <a:solidFill>
             <a:schemeClr val="tx1"/>
           </a:solidFill>
@@ -2889,8 +3244,8 @@
           <a:cs typeface="+mn-cs"/>
         </a:defRPr>
       </a:lvl3pPr>
-      <a:lvl4pPr marL="1028700" algn="l" defTabSz="685800" rtl="0" eaLnBrk="1" latinLnBrk="0" hangingPunct="1">
-        <a:defRPr sz="1350" kern="1200">
+      <a:lvl4pPr marL="771525" algn="l" defTabSz="514350" rtl="0" eaLnBrk="1" latinLnBrk="0" hangingPunct="1">
+        <a:defRPr sz="1013" kern="1200">
           <a:solidFill>
             <a:schemeClr val="tx1"/>
           </a:solidFill>
@@ -2899,8 +3254,8 @@
           <a:cs typeface="+mn-cs"/>
         </a:defRPr>
       </a:lvl4pPr>
-      <a:lvl5pPr marL="1371600" algn="l" defTabSz="685800" rtl="0" eaLnBrk="1" latinLnBrk="0" hangingPunct="1">
-        <a:defRPr sz="1350" kern="1200">
+      <a:lvl5pPr marL="1028700" algn="l" defTabSz="514350" rtl="0" eaLnBrk="1" latinLnBrk="0" hangingPunct="1">
+        <a:defRPr sz="1013" kern="1200">
           <a:solidFill>
             <a:schemeClr val="tx1"/>
           </a:solidFill>
@@ -2909,8 +3264,8 @@
           <a:cs typeface="+mn-cs"/>
         </a:defRPr>
       </a:lvl5pPr>
-      <a:lvl6pPr marL="1714500" algn="l" defTabSz="685800" rtl="0" eaLnBrk="1" latinLnBrk="0" hangingPunct="1">
-        <a:defRPr sz="1350" kern="1200">
+      <a:lvl6pPr marL="1285875" algn="l" defTabSz="514350" rtl="0" eaLnBrk="1" latinLnBrk="0" hangingPunct="1">
+        <a:defRPr sz="1013" kern="1200">
           <a:solidFill>
             <a:schemeClr val="tx1"/>
           </a:solidFill>
@@ -2919,8 +3274,8 @@
           <a:cs typeface="+mn-cs"/>
         </a:defRPr>
       </a:lvl6pPr>
-      <a:lvl7pPr marL="2057400" algn="l" defTabSz="685800" rtl="0" eaLnBrk="1" latinLnBrk="0" hangingPunct="1">
-        <a:defRPr sz="1350" kern="1200">
+      <a:lvl7pPr marL="1543050" algn="l" defTabSz="514350" rtl="0" eaLnBrk="1" latinLnBrk="0" hangingPunct="1">
+        <a:defRPr sz="1013" kern="1200">
           <a:solidFill>
             <a:schemeClr val="tx1"/>
           </a:solidFill>
@@ -2929,8 +3284,8 @@
           <a:cs typeface="+mn-cs"/>
         </a:defRPr>
       </a:lvl7pPr>
-      <a:lvl8pPr marL="2400300" algn="l" defTabSz="685800" rtl="0" eaLnBrk="1" latinLnBrk="0" hangingPunct="1">
-        <a:defRPr sz="1350" kern="1200">
+      <a:lvl8pPr marL="1800225" algn="l" defTabSz="514350" rtl="0" eaLnBrk="1" latinLnBrk="0" hangingPunct="1">
+        <a:defRPr sz="1013" kern="1200">
           <a:solidFill>
             <a:schemeClr val="tx1"/>
           </a:solidFill>
@@ -2939,8 +3294,8 @@
           <a:cs typeface="+mn-cs"/>
         </a:defRPr>
       </a:lvl8pPr>
-      <a:lvl9pPr marL="2743200" algn="l" defTabSz="685800" rtl="0" eaLnBrk="1" latinLnBrk="0" hangingPunct="1">
-        <a:defRPr sz="1350" kern="1200">
+      <a:lvl9pPr marL="2057400" algn="l" defTabSz="514350" rtl="0" eaLnBrk="1" latinLnBrk="0" hangingPunct="1">
+        <a:defRPr sz="1013" kern="1200">
           <a:solidFill>
             <a:schemeClr val="tx1"/>
           </a:solidFill>
@@ -3769,7 +4124,7 @@
     </p:spTree>
     <p:extLst>
       <p:ext uri="{BB962C8B-B14F-4D97-AF65-F5344CB8AC3E}">
-        <p14:creationId xmlns:p14="http://schemas.microsoft.com/office/powerpoint/2010/main" val="1393021171"/>
+        <p14:creationId xmlns:p14="http://schemas.microsoft.com/office/powerpoint/2010/main" val="992433850"/>
       </p:ext>
     </p:extLst>
   </p:cSld>
@@ -3782,7 +4137,7 @@
 <file path=ppt/theme/theme1.xml><?xml version="1.0" encoding="utf-8"?>
 <a:theme xmlns:a="http://schemas.openxmlformats.org/drawingml/2006/main" name="Office Theme">
   <a:themeElements>
-    <a:clrScheme name="Office Theme">
+    <a:clrScheme name="Office">
       <a:dk1>
         <a:sysClr val="windowText" lastClr="000000"/>
       </a:dk1>
@@ -3820,7 +4175,7 @@
         <a:srgbClr val="954F72"/>
       </a:folHlink>
     </a:clrScheme>
-    <a:fontScheme name="Office Theme">
+    <a:fontScheme name="Office">
       <a:majorFont>
         <a:latin typeface="Calibri Light" panose="020F0302020204030204"/>
         <a:ea typeface=""/>
@@ -3855,6 +4210,23 @@
         <a:font script="Viet" typeface="Times New Roman"/>
         <a:font script="Uigh" typeface="Microsoft Uighur"/>
         <a:font script="Geor" typeface="Sylfaen"/>
+        <a:font script="Armn" typeface="Arial"/>
+        <a:font script="Bugi" typeface="Leelawadee UI"/>
+        <a:font script="Bopo" typeface="Microsoft JhengHei"/>
+        <a:font script="Java" typeface="Javanese Text"/>
+        <a:font script="Lisu" typeface="Segoe UI"/>
+        <a:font script="Mymr" typeface="Myanmar Text"/>
+        <a:font script="Nkoo" typeface="Ebrima"/>
+        <a:font script="Olck" typeface="Nirmala UI"/>
+        <a:font script="Osma" typeface="Ebrima"/>
+        <a:font script="Phag" typeface="Phagspa"/>
+        <a:font script="Syrn" typeface="Estrangelo Edessa"/>
+        <a:font script="Syrj" typeface="Estrangelo Edessa"/>
+        <a:font script="Syre" typeface="Estrangelo Edessa"/>
+        <a:font script="Sora" typeface="Nirmala UI"/>
+        <a:font script="Tale" typeface="Microsoft Tai Le"/>
+        <a:font script="Talu" typeface="Microsoft New Tai Lue"/>
+        <a:font script="Tfng" typeface="Ebrima"/>
       </a:majorFont>
       <a:minorFont>
         <a:latin typeface="Calibri" panose="020F0502020204030204"/>
@@ -3890,9 +4262,26 @@
         <a:font script="Viet" typeface="Arial"/>
         <a:font script="Uigh" typeface="Microsoft Uighur"/>
         <a:font script="Geor" typeface="Sylfaen"/>
+        <a:font script="Armn" typeface="Arial"/>
+        <a:font script="Bugi" typeface="Leelawadee UI"/>
+        <a:font script="Bopo" typeface="Microsoft JhengHei"/>
+        <a:font script="Java" typeface="Javanese Text"/>
+        <a:font script="Lisu" typeface="Segoe UI"/>
+        <a:font script="Mymr" typeface="Myanmar Text"/>
+        <a:font script="Nkoo" typeface="Ebrima"/>
+        <a:font script="Olck" typeface="Nirmala UI"/>
+        <a:font script="Osma" typeface="Ebrima"/>
+        <a:font script="Phag" typeface="Phagspa"/>
+        <a:font script="Syrn" typeface="Estrangelo Edessa"/>
+        <a:font script="Syrj" typeface="Estrangelo Edessa"/>
+        <a:font script="Syre" typeface="Estrangelo Edessa"/>
+        <a:font script="Sora" typeface="Nirmala UI"/>
+        <a:font script="Tale" typeface="Microsoft Tai Le"/>
+        <a:font script="Talu" typeface="Microsoft New Tai Lue"/>
+        <a:font script="Tfng" typeface="Ebrima"/>
       </a:minorFont>
     </a:fontScheme>
-    <a:fmtScheme name="Office Theme">
+    <a:fmtScheme name="Office">
       <a:fillStyleLst>
         <a:solidFill>
           <a:schemeClr val="phClr"/>
